--- a/Documentos/GPP.pptx
+++ b/Documentos/GPP.pptx
@@ -5,7 +5,7 @@
     <p:sldMasterId id="2147483648" r:id="rId1"/>
   </p:sldMasterIdLst>
   <p:notesMasterIdLst>
-    <p:notesMasterId r:id="rId35"/>
+    <p:notesMasterId r:id="rId37"/>
   </p:notesMasterIdLst>
   <p:sldIdLst>
     <p:sldId id="256" r:id="rId2"/>
@@ -25,22 +25,24 @@
     <p:sldId id="305" r:id="rId16"/>
     <p:sldId id="294" r:id="rId17"/>
     <p:sldId id="290" r:id="rId18"/>
-    <p:sldId id="291" r:id="rId19"/>
-    <p:sldId id="292" r:id="rId20"/>
-    <p:sldId id="306" r:id="rId21"/>
-    <p:sldId id="307" r:id="rId22"/>
-    <p:sldId id="293" r:id="rId23"/>
-    <p:sldId id="260" r:id="rId24"/>
-    <p:sldId id="262" r:id="rId25"/>
-    <p:sldId id="267" r:id="rId26"/>
-    <p:sldId id="268" r:id="rId27"/>
-    <p:sldId id="284" r:id="rId28"/>
-    <p:sldId id="273" r:id="rId29"/>
-    <p:sldId id="278" r:id="rId30"/>
-    <p:sldId id="279" r:id="rId31"/>
-    <p:sldId id="287" r:id="rId32"/>
-    <p:sldId id="286" r:id="rId33"/>
-    <p:sldId id="285" r:id="rId34"/>
+    <p:sldId id="308" r:id="rId19"/>
+    <p:sldId id="309" r:id="rId20"/>
+    <p:sldId id="291" r:id="rId21"/>
+    <p:sldId id="292" r:id="rId22"/>
+    <p:sldId id="306" r:id="rId23"/>
+    <p:sldId id="307" r:id="rId24"/>
+    <p:sldId id="293" r:id="rId25"/>
+    <p:sldId id="260" r:id="rId26"/>
+    <p:sldId id="262" r:id="rId27"/>
+    <p:sldId id="267" r:id="rId28"/>
+    <p:sldId id="268" r:id="rId29"/>
+    <p:sldId id="284" r:id="rId30"/>
+    <p:sldId id="273" r:id="rId31"/>
+    <p:sldId id="278" r:id="rId32"/>
+    <p:sldId id="279" r:id="rId33"/>
+    <p:sldId id="287" r:id="rId34"/>
+    <p:sldId id="286" r:id="rId35"/>
+    <p:sldId id="285" r:id="rId36"/>
   </p:sldIdLst>
   <p:sldSz cx="9144000" cy="6858000" type="screen4x3"/>
   <p:notesSz cx="6858000" cy="9144000"/>
@@ -139,6 +141,22 @@
       </a:defRPr>
     </a:lvl9pPr>
   </p:defaultTextStyle>
+  <p:extLst>
+    <p:ext uri="{EFAFB233-063F-42B5-8137-9DF3F51BA10A}">
+      <p15:sldGuideLst xmlns:p15="http://schemas.microsoft.com/office/powerpoint/2012/main">
+        <p15:guide id="1" orient="horz" pos="2160">
+          <p15:clr>
+            <a:srgbClr val="A4A3A4"/>
+          </p15:clr>
+        </p15:guide>
+        <p15:guide id="2" pos="2880">
+          <p15:clr>
+            <a:srgbClr val="A4A3A4"/>
+          </p15:clr>
+        </p15:guide>
+      </p15:sldGuideLst>
+    </p:ext>
+  </p:extLst>
 </p:presentation>
 </file>
 
@@ -3405,8 +3423,8 @@
   <dgm:cxnLst>
     <dgm:cxn modelId="{9AD103EC-E9DF-4989-85B7-9D62D2302048}" srcId="{12ADCEE5-F356-4C69-9FDD-DBEC311088AD}" destId="{E47F20F6-3B62-49EB-8532-A8BCFDF31C91}" srcOrd="3" destOrd="0" parTransId="{08717A93-0336-4DF4-99E3-B76E474E2021}" sibTransId="{E65BC739-8EAA-4361-AF0B-A5D76EF01B52}"/>
     <dgm:cxn modelId="{3691578A-A4ED-48A6-9307-AF17A2DCAA26}" srcId="{12ADCEE5-F356-4C69-9FDD-DBEC311088AD}" destId="{147540FC-D566-41EC-B1A4-048F618F6BC4}" srcOrd="1" destOrd="0" parTransId="{46E7A510-DD8A-44A0-BC36-96E8855E339D}" sibTransId="{8E9DEC23-301A-402A-9F0D-519ACB69FC55}"/>
+    <dgm:cxn modelId="{E6ECD40F-103F-4D69-AC5B-808BB7367AF4}" type="presOf" srcId="{85370199-7020-48E5-A5FF-981D656C02EF}" destId="{2F6E3A31-B6C7-4490-BCDF-83A9F1CDD278}" srcOrd="0" destOrd="0" presId="urn:microsoft.com/office/officeart/2005/8/layout/chevron1"/>
     <dgm:cxn modelId="{BAEAB7F9-79AA-4DDB-AD09-2FA0ABA3D715}" type="presOf" srcId="{12ADCEE5-F356-4C69-9FDD-DBEC311088AD}" destId="{2282020D-19CA-4BEF-90BA-A14DA257EAF1}" srcOrd="0" destOrd="0" presId="urn:microsoft.com/office/officeart/2005/8/layout/chevron1"/>
-    <dgm:cxn modelId="{E6ECD40F-103F-4D69-AC5B-808BB7367AF4}" type="presOf" srcId="{85370199-7020-48E5-A5FF-981D656C02EF}" destId="{2F6E3A31-B6C7-4490-BCDF-83A9F1CDD278}" srcOrd="0" destOrd="0" presId="urn:microsoft.com/office/officeart/2005/8/layout/chevron1"/>
     <dgm:cxn modelId="{58A9B9FC-4674-4A51-A8E3-A5FD91D80CB8}" type="presOf" srcId="{E47F20F6-3B62-49EB-8532-A8BCFDF31C91}" destId="{4BA9CF6B-7BC2-47F9-8824-C7F40AE8A669}" srcOrd="0" destOrd="0" presId="urn:microsoft.com/office/officeart/2005/8/layout/chevron1"/>
     <dgm:cxn modelId="{832EC4CB-A817-49FE-BC44-FD2000451EB2}" type="presOf" srcId="{62914325-15FB-4FDE-9F37-3393962CD34C}" destId="{700DF20D-32F7-4B1F-A7E1-49B99951C370}" srcOrd="0" destOrd="0" presId="urn:microsoft.com/office/officeart/2005/8/layout/chevron1"/>
     <dgm:cxn modelId="{C4D0954D-8695-4FBE-B63A-B2E14CCD4189}" srcId="{12ADCEE5-F356-4C69-9FDD-DBEC311088AD}" destId="{85370199-7020-48E5-A5FF-981D656C02EF}" srcOrd="0" destOrd="0" parTransId="{75981A35-7790-4877-885B-2F33987A4771}" sibTransId="{2A62105B-8C6B-4615-810B-58FA6A8D091C}"/>
@@ -4000,9 +4018,9 @@
     <dgm:cxn modelId="{3691578A-A4ED-48A6-9307-AF17A2DCAA26}" srcId="{12ADCEE5-F356-4C69-9FDD-DBEC311088AD}" destId="{147540FC-D566-41EC-B1A4-048F618F6BC4}" srcOrd="1" destOrd="0" parTransId="{46E7A510-DD8A-44A0-BC36-96E8855E339D}" sibTransId="{8E9DEC23-301A-402A-9F0D-519ACB69FC55}"/>
     <dgm:cxn modelId="{FEDD0183-63DD-4DA4-83C2-4B30800E65FA}" type="presOf" srcId="{E47F20F6-3B62-49EB-8532-A8BCFDF31C91}" destId="{4BA9CF6B-7BC2-47F9-8824-C7F40AE8A669}" srcOrd="0" destOrd="0" presId="urn:microsoft.com/office/officeart/2005/8/layout/chevron1"/>
     <dgm:cxn modelId="{23F83512-0078-4099-88AF-2F4D3124D4A2}" type="presOf" srcId="{12ADCEE5-F356-4C69-9FDD-DBEC311088AD}" destId="{2282020D-19CA-4BEF-90BA-A14DA257EAF1}" srcOrd="0" destOrd="0" presId="urn:microsoft.com/office/officeart/2005/8/layout/chevron1"/>
+    <dgm:cxn modelId="{F2534863-1665-4FFA-9EA1-4E722739659E}" type="presOf" srcId="{147540FC-D566-41EC-B1A4-048F618F6BC4}" destId="{028E02A9-FFB9-40C5-A0A3-87859CF38FE2}" srcOrd="0" destOrd="0" presId="urn:microsoft.com/office/officeart/2005/8/layout/chevron1"/>
+    <dgm:cxn modelId="{C275DC15-7BFB-4296-AA7B-4BDE03FA8FDB}" srcId="{12ADCEE5-F356-4C69-9FDD-DBEC311088AD}" destId="{62914325-15FB-4FDE-9F37-3393962CD34C}" srcOrd="2" destOrd="0" parTransId="{AECCFEB3-E5A8-4C02-9EAB-AEE80E1E8A87}" sibTransId="{23756DD8-B415-4088-9C15-AF0559F1A2D7}"/>
     <dgm:cxn modelId="{C4D0954D-8695-4FBE-B63A-B2E14CCD4189}" srcId="{12ADCEE5-F356-4C69-9FDD-DBEC311088AD}" destId="{85370199-7020-48E5-A5FF-981D656C02EF}" srcOrd="0" destOrd="0" parTransId="{75981A35-7790-4877-885B-2F33987A4771}" sibTransId="{2A62105B-8C6B-4615-810B-58FA6A8D091C}"/>
-    <dgm:cxn modelId="{C275DC15-7BFB-4296-AA7B-4BDE03FA8FDB}" srcId="{12ADCEE5-F356-4C69-9FDD-DBEC311088AD}" destId="{62914325-15FB-4FDE-9F37-3393962CD34C}" srcOrd="2" destOrd="0" parTransId="{AECCFEB3-E5A8-4C02-9EAB-AEE80E1E8A87}" sibTransId="{23756DD8-B415-4088-9C15-AF0559F1A2D7}"/>
-    <dgm:cxn modelId="{F2534863-1665-4FFA-9EA1-4E722739659E}" type="presOf" srcId="{147540FC-D566-41EC-B1A4-048F618F6BC4}" destId="{028E02A9-FFB9-40C5-A0A3-87859CF38FE2}" srcOrd="0" destOrd="0" presId="urn:microsoft.com/office/officeart/2005/8/layout/chevron1"/>
     <dgm:cxn modelId="{DD470E99-C149-4969-B4EA-033808BB0FD7}" type="presOf" srcId="{62914325-15FB-4FDE-9F37-3393962CD34C}" destId="{700DF20D-32F7-4B1F-A7E1-49B99951C370}" srcOrd="0" destOrd="0" presId="urn:microsoft.com/office/officeart/2005/8/layout/chevron1"/>
     <dgm:cxn modelId="{5F335607-0CFA-46CE-AC49-1327C6A3B46F}" type="presOf" srcId="{85370199-7020-48E5-A5FF-981D656C02EF}" destId="{2F6E3A31-B6C7-4490-BCDF-83A9F1CDD278}" srcOrd="0" destOrd="0" presId="urn:microsoft.com/office/officeart/2005/8/layout/chevron1"/>
     <dgm:cxn modelId="{9DF5B16C-9160-4EA9-8CCB-E4815392A262}" type="presParOf" srcId="{2282020D-19CA-4BEF-90BA-A14DA257EAF1}" destId="{2F6E3A31-B6C7-4490-BCDF-83A9F1CDD278}" srcOrd="0" destOrd="0" presId="urn:microsoft.com/office/officeart/2005/8/layout/chevron1"/>
@@ -5131,6 +5149,215 @@
       <dsp:cNvGrpSpPr/>
     </dsp:nvGrpSpPr>
     <dsp:grpSpPr/>
+    <dsp:sp modelId="{2F6E3A31-B6C7-4490-BCDF-83A9F1CDD278}">
+      <dsp:nvSpPr>
+        <dsp:cNvPr id="0" name=""/>
+        <dsp:cNvSpPr/>
+      </dsp:nvSpPr>
+      <dsp:spPr>
+        <a:xfrm>
+          <a:off x="1785" y="1518007"/>
+          <a:ext cx="2175867" cy="1027984"/>
+        </a:xfrm>
+        <a:prstGeom prst="chevron">
+          <a:avLst/>
+        </a:prstGeom>
+        <a:solidFill>
+          <a:srgbClr val="27B169"/>
+        </a:solidFill>
+        <a:ln w="25400" cap="flat" cmpd="sng" algn="ctr">
+          <a:noFill/>
+          <a:prstDash val="solid"/>
+        </a:ln>
+        <a:effectLst/>
+      </dsp:spPr>
+      <dsp:style>
+        <a:lnRef idx="2">
+          <a:scrgbClr r="0" g="0" b="0"/>
+        </a:lnRef>
+        <a:fillRef idx="1">
+          <a:scrgbClr r="0" g="0" b="0"/>
+        </a:fillRef>
+        <a:effectRef idx="0">
+          <a:scrgbClr r="0" g="0" b="0"/>
+        </a:effectRef>
+        <a:fontRef idx="minor">
+          <a:schemeClr val="lt1"/>
+        </a:fontRef>
+      </dsp:style>
+      <dsp:txBody>
+        <a:bodyPr spcFirstLastPara="0" vert="horz" wrap="square" lIns="80010" tIns="26670" rIns="26670" bIns="26670" numCol="1" spcCol="1270" anchor="ctr" anchorCtr="0">
+          <a:noAutofit/>
+        </a:bodyPr>
+        <a:lstStyle/>
+        <a:p>
+          <a:pPr lvl="0" algn="ctr" defTabSz="889000">
+            <a:lnSpc>
+              <a:spcPct val="90000"/>
+            </a:lnSpc>
+            <a:spcBef>
+              <a:spcPct val="0"/>
+            </a:spcBef>
+            <a:spcAft>
+              <a:spcPct val="35000"/>
+            </a:spcAft>
+          </a:pPr>
+          <a:r>
+            <a:rPr lang="pt-BR" sz="2000" kern="1200" dirty="0" smtClean="0"/>
+            <a:t>Cadastrar</a:t>
+          </a:r>
+          <a:endParaRPr lang="pt-BR" sz="2000" kern="1200" dirty="0"/>
+        </a:p>
+      </dsp:txBody>
+      <dsp:txXfrm>
+        <a:off x="515777" y="1518007"/>
+        <a:ext cx="1147883" cy="1027984"/>
+      </dsp:txXfrm>
+    </dsp:sp>
+    <dsp:sp modelId="{028E02A9-FFB9-40C5-A0A3-87859CF38FE2}">
+      <dsp:nvSpPr>
+        <dsp:cNvPr id="0" name=""/>
+        <dsp:cNvSpPr/>
+      </dsp:nvSpPr>
+      <dsp:spPr>
+        <a:xfrm>
+          <a:off x="2000396" y="1596826"/>
+          <a:ext cx="2175867" cy="870346"/>
+        </a:xfrm>
+        <a:prstGeom prst="chevron">
+          <a:avLst/>
+        </a:prstGeom>
+        <a:solidFill>
+          <a:srgbClr val="27B169"/>
+        </a:solidFill>
+        <a:ln w="25400" cap="flat" cmpd="sng" algn="ctr">
+          <a:solidFill>
+            <a:schemeClr val="lt1">
+              <a:hueOff val="0"/>
+              <a:satOff val="0"/>
+              <a:lumOff val="0"/>
+              <a:alphaOff val="0"/>
+            </a:schemeClr>
+          </a:solidFill>
+          <a:prstDash val="solid"/>
+        </a:ln>
+        <a:effectLst/>
+      </dsp:spPr>
+      <dsp:style>
+        <a:lnRef idx="2">
+          <a:scrgbClr r="0" g="0" b="0"/>
+        </a:lnRef>
+        <a:fillRef idx="1">
+          <a:scrgbClr r="0" g="0" b="0"/>
+        </a:fillRef>
+        <a:effectRef idx="0">
+          <a:scrgbClr r="0" g="0" b="0"/>
+        </a:effectRef>
+        <a:fontRef idx="minor">
+          <a:schemeClr val="lt1"/>
+        </a:fontRef>
+      </dsp:style>
+      <dsp:txBody>
+        <a:bodyPr spcFirstLastPara="0" vert="horz" wrap="square" lIns="80010" tIns="26670" rIns="26670" bIns="26670" numCol="1" spcCol="1270" anchor="ctr" anchorCtr="0">
+          <a:noAutofit/>
+        </a:bodyPr>
+        <a:lstStyle/>
+        <a:p>
+          <a:pPr lvl="0" algn="ctr" defTabSz="889000">
+            <a:lnSpc>
+              <a:spcPct val="90000"/>
+            </a:lnSpc>
+            <a:spcBef>
+              <a:spcPct val="0"/>
+            </a:spcBef>
+            <a:spcAft>
+              <a:spcPct val="35000"/>
+            </a:spcAft>
+          </a:pPr>
+          <a:r>
+            <a:rPr lang="pt-BR" sz="2000" kern="1200" dirty="0" smtClean="0"/>
+            <a:t>Vizualizar</a:t>
+          </a:r>
+          <a:endParaRPr lang="pt-BR" sz="2000" kern="1200" dirty="0"/>
+        </a:p>
+      </dsp:txBody>
+      <dsp:txXfrm>
+        <a:off x="2435569" y="1596826"/>
+        <a:ext cx="1305521" cy="870346"/>
+      </dsp:txXfrm>
+    </dsp:sp>
+    <dsp:sp modelId="{700DF20D-32F7-4B1F-A7E1-49B99951C370}">
+      <dsp:nvSpPr>
+        <dsp:cNvPr id="0" name=""/>
+        <dsp:cNvSpPr/>
+      </dsp:nvSpPr>
+      <dsp:spPr>
+        <a:xfrm>
+          <a:off x="3918346" y="1596826"/>
+          <a:ext cx="2175867" cy="870346"/>
+        </a:xfrm>
+        <a:prstGeom prst="chevron">
+          <a:avLst/>
+        </a:prstGeom>
+        <a:solidFill>
+          <a:srgbClr val="27B169"/>
+        </a:solidFill>
+        <a:ln w="25400" cap="flat" cmpd="sng" algn="ctr">
+          <a:solidFill>
+            <a:schemeClr val="lt1">
+              <a:hueOff val="0"/>
+              <a:satOff val="0"/>
+              <a:lumOff val="0"/>
+              <a:alphaOff val="0"/>
+            </a:schemeClr>
+          </a:solidFill>
+          <a:prstDash val="solid"/>
+        </a:ln>
+        <a:effectLst/>
+      </dsp:spPr>
+      <dsp:style>
+        <a:lnRef idx="2">
+          <a:scrgbClr r="0" g="0" b="0"/>
+        </a:lnRef>
+        <a:fillRef idx="1">
+          <a:scrgbClr r="0" g="0" b="0"/>
+        </a:fillRef>
+        <a:effectRef idx="0">
+          <a:scrgbClr r="0" g="0" b="0"/>
+        </a:effectRef>
+        <a:fontRef idx="minor">
+          <a:schemeClr val="lt1"/>
+        </a:fontRef>
+      </dsp:style>
+      <dsp:txBody>
+        <a:bodyPr spcFirstLastPara="0" vert="horz" wrap="square" lIns="80010" tIns="26670" rIns="26670" bIns="26670" numCol="1" spcCol="1270" anchor="ctr" anchorCtr="0">
+          <a:noAutofit/>
+        </a:bodyPr>
+        <a:lstStyle/>
+        <a:p>
+          <a:pPr lvl="0" algn="ctr" defTabSz="889000">
+            <a:lnSpc>
+              <a:spcPct val="90000"/>
+            </a:lnSpc>
+            <a:spcBef>
+              <a:spcPct val="0"/>
+            </a:spcBef>
+            <a:spcAft>
+              <a:spcPct val="35000"/>
+            </a:spcAft>
+          </a:pPr>
+          <a:r>
+            <a:rPr lang="pt-BR" sz="2000" b="0" kern="1200" dirty="0" smtClean="0"/>
+            <a:t>Alterar</a:t>
+          </a:r>
+          <a:endParaRPr lang="pt-BR" sz="2000" b="0" kern="1200" dirty="0"/>
+        </a:p>
+      </dsp:txBody>
+      <dsp:txXfrm>
+        <a:off x="4353519" y="1596826"/>
+        <a:ext cx="1305521" cy="870346"/>
+      </dsp:txXfrm>
+    </dsp:sp>
   </dsp:spTree>
 </dsp:drawing>
 </file>
@@ -10818,7 +11045,7 @@
           <a:p>
             <a:fld id="{C9BDEDBC-5E4A-4012-952B-518D8B6F1563}" type="slidenum">
               <a:rPr lang="pt-BR" smtClean="0"/>
-              <a:t>31</a:t>
+              <a:t>33</a:t>
             </a:fld>
             <a:endParaRPr lang="pt-BR"/>
           </a:p>
@@ -10902,7 +11129,7 @@
           <a:p>
             <a:fld id="{C9BDEDBC-5E4A-4012-952B-518D8B6F1563}" type="slidenum">
               <a:rPr lang="pt-BR" smtClean="0"/>
-              <a:t>32</a:t>
+              <a:t>34</a:t>
             </a:fld>
             <a:endParaRPr lang="pt-BR"/>
           </a:p>
@@ -10986,7 +11213,7 @@
           <a:p>
             <a:fld id="{C9BDEDBC-5E4A-4012-952B-518D8B6F1563}" type="slidenum">
               <a:rPr lang="pt-BR" smtClean="0"/>
-              <a:t>33</a:t>
+              <a:t>35</a:t>
             </a:fld>
             <a:endParaRPr lang="pt-BR"/>
           </a:p>
@@ -15751,7 +15978,7 @@
         </p:nvSpPr>
         <p:spPr>
           <a:xfrm>
-            <a:off x="818208" y="1509688"/>
+            <a:off x="3945153" y="438299"/>
             <a:ext cx="7349694" cy="769441"/>
           </a:xfrm>
           <a:prstGeom prst="rect">
@@ -15791,9 +16018,9 @@
       </p:sp>
       <p:pic>
         <p:nvPicPr>
-          <p:cNvPr id="5122" name="Picture 2"/>
+          <p:cNvPr id="5" name="Imagem 4"/>
           <p:cNvPicPr>
-            <a:picLocks noChangeAspect="1" noChangeArrowheads="1"/>
+            <a:picLocks noChangeAspect="1"/>
           </p:cNvPicPr>
           <p:nvPr/>
         </p:nvPicPr>
@@ -15805,42 +16032,18 @@
               </a:ext>
             </a:extLst>
           </a:blip>
-          <a:srcRect/>
           <a:stretch>
             <a:fillRect/>
           </a:stretch>
         </p:blipFill>
-        <p:spPr bwMode="auto">
+        <p:spPr>
           <a:xfrm>
-            <a:off x="1016430" y="2279129"/>
-            <a:ext cx="6953250" cy="2828925"/>
+            <a:off x="-19239" y="1616309"/>
+            <a:ext cx="9144000" cy="5229902"/>
           </a:xfrm>
           <a:prstGeom prst="rect">
             <a:avLst/>
           </a:prstGeom>
-          <a:noFill/>
-          <a:ln>
-            <a:noFill/>
-          </a:ln>
-          <a:extLst>
-            <a:ext uri="{909E8E84-426E-40DD-AFC4-6F175D3DCCD1}">
-              <a14:hiddenFill xmlns:a14="http://schemas.microsoft.com/office/drawing/2010/main">
-                <a:solidFill>
-                  <a:schemeClr val="accent1"/>
-                </a:solidFill>
-              </a14:hiddenFill>
-            </a:ext>
-            <a:ext uri="{91240B29-F687-4F45-9708-019B960494DF}">
-              <a14:hiddenLine xmlns:a14="http://schemas.microsoft.com/office/drawing/2010/main" w="9525">
-                <a:solidFill>
-                  <a:schemeClr val="tx1"/>
-                </a:solidFill>
-                <a:miter lim="800000"/>
-                <a:headEnd/>
-                <a:tailEnd/>
-              </a14:hiddenLine>
-            </a:ext>
-          </a:extLst>
         </p:spPr>
       </p:pic>
     </p:spTree>
@@ -16143,7 +16346,7 @@
         </p:nvSpPr>
         <p:spPr>
           <a:xfrm>
-            <a:off x="818208" y="1509688"/>
+            <a:off x="4067944" y="357610"/>
             <a:ext cx="7349694" cy="769441"/>
           </a:xfrm>
           <a:prstGeom prst="rect">
@@ -16183,9 +16386,9 @@
       </p:sp>
       <p:pic>
         <p:nvPicPr>
-          <p:cNvPr id="6146" name="Picture 2"/>
+          <p:cNvPr id="5" name="Imagem 4"/>
           <p:cNvPicPr>
-            <a:picLocks noChangeAspect="1" noChangeArrowheads="1"/>
+            <a:picLocks noChangeAspect="1"/>
           </p:cNvPicPr>
           <p:nvPr/>
         </p:nvPicPr>
@@ -16197,42 +16400,18 @@
               </a:ext>
             </a:extLst>
           </a:blip>
-          <a:srcRect/>
           <a:stretch>
             <a:fillRect/>
           </a:stretch>
         </p:blipFill>
-        <p:spPr bwMode="auto">
+        <p:spPr>
           <a:xfrm>
-            <a:off x="1011932" y="2132856"/>
-            <a:ext cx="7086600" cy="2981325"/>
+            <a:off x="-4163" y="1606659"/>
+            <a:ext cx="9144000" cy="5251341"/>
           </a:xfrm>
           <a:prstGeom prst="rect">
             <a:avLst/>
           </a:prstGeom>
-          <a:noFill/>
-          <a:ln>
-            <a:noFill/>
-          </a:ln>
-          <a:extLst>
-            <a:ext uri="{909E8E84-426E-40DD-AFC4-6F175D3DCCD1}">
-              <a14:hiddenFill xmlns:a14="http://schemas.microsoft.com/office/drawing/2010/main">
-                <a:solidFill>
-                  <a:schemeClr val="accent1"/>
-                </a:solidFill>
-              </a14:hiddenFill>
-            </a:ext>
-            <a:ext uri="{91240B29-F687-4F45-9708-019B960494DF}">
-              <a14:hiddenLine xmlns:a14="http://schemas.microsoft.com/office/drawing/2010/main" w="9525">
-                <a:solidFill>
-                  <a:schemeClr val="tx1"/>
-                </a:solidFill>
-                <a:miter lim="800000"/>
-                <a:headEnd/>
-                <a:tailEnd/>
-              </a14:hiddenLine>
-            </a:ext>
-          </a:extLst>
         </p:spPr>
       </p:pic>
     </p:spTree>
@@ -16535,7 +16714,7 @@
         </p:nvSpPr>
         <p:spPr>
           <a:xfrm>
-            <a:off x="818208" y="1509688"/>
+            <a:off x="3945153" y="438299"/>
             <a:ext cx="7349694" cy="769441"/>
           </a:xfrm>
           <a:prstGeom prst="rect">
@@ -16575,9 +16754,9 @@
       </p:sp>
       <p:pic>
         <p:nvPicPr>
-          <p:cNvPr id="8194" name="Picture 2"/>
+          <p:cNvPr id="5" name="Imagem 4"/>
           <p:cNvPicPr>
-            <a:picLocks noChangeAspect="1" noChangeArrowheads="1"/>
+            <a:picLocks noChangeAspect="1"/>
           </p:cNvPicPr>
           <p:nvPr/>
         </p:nvPicPr>
@@ -16589,42 +16768,18 @@
               </a:ext>
             </a:extLst>
           </a:blip>
-          <a:srcRect/>
           <a:stretch>
             <a:fillRect/>
           </a:stretch>
         </p:blipFill>
-        <p:spPr bwMode="auto">
+        <p:spPr>
           <a:xfrm>
-            <a:off x="938427" y="2204864"/>
-            <a:ext cx="7229475" cy="2952750"/>
+            <a:off x="0" y="1635241"/>
+            <a:ext cx="9144000" cy="5222759"/>
           </a:xfrm>
           <a:prstGeom prst="rect">
             <a:avLst/>
           </a:prstGeom>
-          <a:noFill/>
-          <a:ln>
-            <a:noFill/>
-          </a:ln>
-          <a:extLst>
-            <a:ext uri="{909E8E84-426E-40DD-AFC4-6F175D3DCCD1}">
-              <a14:hiddenFill xmlns:a14="http://schemas.microsoft.com/office/drawing/2010/main">
-                <a:solidFill>
-                  <a:schemeClr val="accent1"/>
-                </a:solidFill>
-              </a14:hiddenFill>
-            </a:ext>
-            <a:ext uri="{91240B29-F687-4F45-9708-019B960494DF}">
-              <a14:hiddenLine xmlns:a14="http://schemas.microsoft.com/office/drawing/2010/main" w="9525">
-                <a:solidFill>
-                  <a:schemeClr val="tx1"/>
-                </a:solidFill>
-                <a:miter lim="800000"/>
-                <a:headEnd/>
-                <a:tailEnd/>
-              </a14:hiddenLine>
-            </a:ext>
-          </a:extLst>
         </p:spPr>
       </p:pic>
     </p:spTree>
@@ -17751,7 +17906,7 @@
         </p:nvSpPr>
         <p:spPr>
           <a:xfrm>
-            <a:off x="818208" y="1509688"/>
+            <a:off x="3945153" y="260648"/>
             <a:ext cx="7349694" cy="769441"/>
           </a:xfrm>
           <a:prstGeom prst="rect">
@@ -17771,9 +17926,25 @@
                   <a:srgbClr val="018F95"/>
                 </a:solidFill>
               </a:rPr>
-              <a:t>Sprint 3</a:t>
+              <a:t>Sprint </a:t>
             </a:r>
-            <a:endParaRPr lang="pt-BR" sz="4400" dirty="0">
+            <a:r>
+              <a:rPr lang="pt-BR" sz="4400" dirty="0">
+                <a:solidFill>
+                  <a:srgbClr val="018F95"/>
+                </a:solidFill>
+              </a:rPr>
+              <a:t>3 – </a:t>
+            </a:r>
+            <a:r>
+              <a:rPr lang="pt-BR" sz="4400" dirty="0" err="1" smtClean="0">
+                <a:solidFill>
+                  <a:srgbClr val="018F95"/>
+                </a:solidFill>
+              </a:rPr>
+              <a:t>Tracking</a:t>
+            </a:r>
+            <a:endParaRPr lang="pt-BR" sz="4400" dirty="0" smtClean="0">
               <a:solidFill>
                 <a:srgbClr val="018F95"/>
               </a:solidFill>
@@ -17781,6 +17952,36 @@
           </a:p>
         </p:txBody>
       </p:sp>
+      <p:pic>
+        <p:nvPicPr>
+          <p:cNvPr id="5" name="Imagem 4"/>
+          <p:cNvPicPr>
+            <a:picLocks noChangeAspect="1"/>
+          </p:cNvPicPr>
+          <p:nvPr/>
+        </p:nvPicPr>
+        <p:blipFill>
+          <a:blip r:embed="rId3">
+            <a:extLst>
+              <a:ext uri="{28A0092B-C50C-407E-A947-70E740481C1C}">
+                <a14:useLocalDpi xmlns:a14="http://schemas.microsoft.com/office/drawing/2010/main" val="0"/>
+              </a:ext>
+            </a:extLst>
+          </a:blip>
+          <a:stretch>
+            <a:fillRect/>
+          </a:stretch>
+        </p:blipFill>
+        <p:spPr>
+          <a:xfrm>
+            <a:off x="-32369" y="1529408"/>
+            <a:ext cx="9144000" cy="4961731"/>
+          </a:xfrm>
+          <a:prstGeom prst="rect">
+            <a:avLst/>
+          </a:prstGeom>
+        </p:spPr>
+      </p:pic>
     </p:spTree>
     <p:extLst>
       <p:ext uri="{BB962C8B-B14F-4D97-AF65-F5344CB8AC3E}">
@@ -18075,13 +18276,13 @@
       </p:sp>
       <p:sp>
         <p:nvSpPr>
-          <p:cNvPr id="13" name="TextBox 10"/>
+          <p:cNvPr id="12" name="TextBox 10"/>
           <p:cNvSpPr txBox="1"/>
           <p:nvPr/>
         </p:nvSpPr>
         <p:spPr>
           <a:xfrm>
-            <a:off x="818208" y="1509688"/>
+            <a:off x="3945153" y="438299"/>
             <a:ext cx="7349694" cy="769441"/>
           </a:xfrm>
           <a:prstGeom prst="rect">
@@ -18101,9 +18302,25 @@
                   <a:srgbClr val="018F95"/>
                 </a:solidFill>
               </a:rPr>
-              <a:t>Fechamento do Projeto</a:t>
+              <a:t>Sprint </a:t>
             </a:r>
-            <a:endParaRPr lang="pt-BR" sz="4400" dirty="0">
+            <a:r>
+              <a:rPr lang="pt-BR" sz="4400" dirty="0">
+                <a:solidFill>
+                  <a:srgbClr val="018F95"/>
+                </a:solidFill>
+              </a:rPr>
+              <a:t>3 – </a:t>
+            </a:r>
+            <a:r>
+              <a:rPr lang="pt-BR" sz="4400" dirty="0" err="1" smtClean="0">
+                <a:solidFill>
+                  <a:srgbClr val="018F95"/>
+                </a:solidFill>
+              </a:rPr>
+              <a:t>Tracking</a:t>
+            </a:r>
+            <a:endParaRPr lang="pt-BR" sz="4400" dirty="0" smtClean="0">
               <a:solidFill>
                 <a:srgbClr val="018F95"/>
               </a:solidFill>
@@ -18111,23 +18328,53 @@
           </a:p>
         </p:txBody>
       </p:sp>
+      <p:pic>
+        <p:nvPicPr>
+          <p:cNvPr id="5" name="Imagem 4"/>
+          <p:cNvPicPr>
+            <a:picLocks noChangeAspect="1"/>
+          </p:cNvPicPr>
+          <p:nvPr/>
+        </p:nvPicPr>
+        <p:blipFill>
+          <a:blip r:embed="rId3">
+            <a:extLst>
+              <a:ext uri="{28A0092B-C50C-407E-A947-70E740481C1C}">
+                <a14:useLocalDpi xmlns:a14="http://schemas.microsoft.com/office/drawing/2010/main" val="0"/>
+              </a:ext>
+            </a:extLst>
+          </a:blip>
+          <a:stretch>
+            <a:fillRect/>
+          </a:stretch>
+        </p:blipFill>
+        <p:spPr>
+          <a:xfrm>
+            <a:off x="0" y="1616110"/>
+            <a:ext cx="9144000" cy="5241890"/>
+          </a:xfrm>
+          <a:prstGeom prst="rect">
+            <a:avLst/>
+          </a:prstGeom>
+        </p:spPr>
+      </p:pic>
     </p:spTree>
     <p:extLst>
       <p:ext uri="{BB962C8B-B14F-4D97-AF65-F5344CB8AC3E}">
-        <p14:creationId xmlns:p14="http://schemas.microsoft.com/office/powerpoint/2010/main" val="2265162606"/>
+        <p14:creationId xmlns:p14="http://schemas.microsoft.com/office/powerpoint/2010/main" val="3230766426"/>
       </p:ext>
     </p:extLst>
   </p:cSld>
   <p:clrMapOvr>
     <a:masterClrMapping/>
   </p:clrMapOvr>
-  <mc:AlternateContent xmlns:mc="http://schemas.openxmlformats.org/markup-compatibility/2006" xmlns:p14="http://schemas.microsoft.com/office/powerpoint/2010/main">
-    <mc:Choice Requires="p14">
+  <mc:AlternateContent xmlns:mc="http://schemas.openxmlformats.org/markup-compatibility/2006">
+    <mc:Choice xmlns:p14="http://schemas.microsoft.com/office/powerpoint/2010/main" Requires="p14">
       <p:transition spd="slow" p14:dur="1200">
         <p:dissolve/>
       </p:transition>
     </mc:Choice>
-    <mc:Fallback xmlns="">
+    <mc:Fallback>
       <p:transition spd="slow">
         <p:dissolve/>
       </p:transition>
@@ -18411,7 +18658,7 @@
         </p:nvSpPr>
         <p:spPr>
           <a:xfrm>
-            <a:off x="818208" y="1509688"/>
+            <a:off x="4211960" y="332656"/>
             <a:ext cx="7349694" cy="769441"/>
           </a:xfrm>
           <a:prstGeom prst="rect">
@@ -18431,9 +18678,25 @@
                   <a:srgbClr val="018F95"/>
                 </a:solidFill>
               </a:rPr>
-              <a:t>Fechamento do Projeto (custo)</a:t>
+              <a:t>Sprint </a:t>
             </a:r>
-            <a:endParaRPr lang="pt-BR" sz="4400" dirty="0">
+            <a:r>
+              <a:rPr lang="pt-BR" sz="4400" dirty="0">
+                <a:solidFill>
+                  <a:srgbClr val="018F95"/>
+                </a:solidFill>
+              </a:rPr>
+              <a:t>3 – </a:t>
+            </a:r>
+            <a:r>
+              <a:rPr lang="pt-BR" sz="4400" dirty="0" err="1" smtClean="0">
+                <a:solidFill>
+                  <a:srgbClr val="018F95"/>
+                </a:solidFill>
+              </a:rPr>
+              <a:t>Tracking</a:t>
+            </a:r>
+            <a:endParaRPr lang="pt-BR" sz="4400" dirty="0" smtClean="0">
               <a:solidFill>
                 <a:srgbClr val="018F95"/>
               </a:solidFill>
@@ -18441,23 +18704,53 @@
           </a:p>
         </p:txBody>
       </p:sp>
+      <p:pic>
+        <p:nvPicPr>
+          <p:cNvPr id="5" name="Imagem 4"/>
+          <p:cNvPicPr>
+            <a:picLocks noChangeAspect="1"/>
+          </p:cNvPicPr>
+          <p:nvPr/>
+        </p:nvPicPr>
+        <p:blipFill>
+          <a:blip r:embed="rId3">
+            <a:extLst>
+              <a:ext uri="{28A0092B-C50C-407E-A947-70E740481C1C}">
+                <a14:useLocalDpi xmlns:a14="http://schemas.microsoft.com/office/drawing/2010/main" val="0"/>
+              </a:ext>
+            </a:extLst>
+          </a:blip>
+          <a:stretch>
+            <a:fillRect/>
+          </a:stretch>
+        </p:blipFill>
+        <p:spPr>
+          <a:xfrm>
+            <a:off x="34834" y="1556792"/>
+            <a:ext cx="9144000" cy="5253644"/>
+          </a:xfrm>
+          <a:prstGeom prst="rect">
+            <a:avLst/>
+          </a:prstGeom>
+        </p:spPr>
+      </p:pic>
     </p:spTree>
     <p:extLst>
       <p:ext uri="{BB962C8B-B14F-4D97-AF65-F5344CB8AC3E}">
-        <p14:creationId xmlns:p14="http://schemas.microsoft.com/office/powerpoint/2010/main" val="2854017061"/>
+        <p14:creationId xmlns:p14="http://schemas.microsoft.com/office/powerpoint/2010/main" val="1605813008"/>
       </p:ext>
     </p:extLst>
   </p:cSld>
   <p:clrMapOvr>
     <a:masterClrMapping/>
   </p:clrMapOvr>
-  <mc:AlternateContent xmlns:mc="http://schemas.openxmlformats.org/markup-compatibility/2006" xmlns:p14="http://schemas.microsoft.com/office/powerpoint/2010/main">
-    <mc:Choice Requires="p14">
+  <mc:AlternateContent xmlns:mc="http://schemas.openxmlformats.org/markup-compatibility/2006">
+    <mc:Choice xmlns:p14="http://schemas.microsoft.com/office/powerpoint/2010/main" Requires="p14">
       <p:transition spd="slow" p14:dur="1200">
         <p:dissolve/>
       </p:transition>
     </mc:Choice>
-    <mc:Fallback xmlns="">
+    <mc:Fallback>
       <p:transition spd="slow">
         <p:dissolve/>
       </p:transition>
@@ -19080,7 +19373,7 @@
       </p:sp>
       <p:sp>
         <p:nvSpPr>
-          <p:cNvPr id="12" name="TextBox 10"/>
+          <p:cNvPr id="13" name="TextBox 10"/>
           <p:cNvSpPr txBox="1"/>
           <p:nvPr/>
         </p:nvSpPr>
@@ -19106,7 +19399,7 @@
                   <a:srgbClr val="018F95"/>
                 </a:solidFill>
               </a:rPr>
-              <a:t>Fechamento do Projeto (custo)</a:t>
+              <a:t>Fechamento do Projeto</a:t>
             </a:r>
             <a:endParaRPr lang="pt-BR" sz="4400" dirty="0">
               <a:solidFill>
@@ -19119,7 +19412,7 @@
     </p:spTree>
     <p:extLst>
       <p:ext uri="{BB962C8B-B14F-4D97-AF65-F5344CB8AC3E}">
-        <p14:creationId xmlns:p14="http://schemas.microsoft.com/office/powerpoint/2010/main" val="1763139466"/>
+        <p14:creationId xmlns:p14="http://schemas.microsoft.com/office/powerpoint/2010/main" val="2265162606"/>
       </p:ext>
     </p:extLst>
   </p:cSld>
@@ -19417,7 +19710,7 @@
         <p:spPr>
           <a:xfrm>
             <a:off x="818208" y="1509688"/>
-            <a:ext cx="7349694" cy="738664"/>
+            <a:ext cx="7349694" cy="769441"/>
           </a:xfrm>
           <a:prstGeom prst="rect">
             <a:avLst/>
@@ -19431,14 +19724,14 @@
           <a:lstStyle/>
           <a:p>
             <a:r>
-              <a:rPr lang="pt-BR" sz="4200" dirty="0" smtClean="0">
+              <a:rPr lang="pt-BR" sz="4400" dirty="0" smtClean="0">
                 <a:solidFill>
                   <a:srgbClr val="018F95"/>
                 </a:solidFill>
               </a:rPr>
-              <a:t>Fechamento do Projeto (escopo)</a:t>
+              <a:t>Fechamento do Projeto (custo)</a:t>
             </a:r>
-            <a:endParaRPr lang="pt-BR" sz="4200" dirty="0">
+            <a:endParaRPr lang="pt-BR" sz="4400" dirty="0">
               <a:solidFill>
                 <a:srgbClr val="018F95"/>
               </a:solidFill>
@@ -19449,7 +19742,7 @@
     </p:spTree>
     <p:extLst>
       <p:ext uri="{BB962C8B-B14F-4D97-AF65-F5344CB8AC3E}">
-        <p14:creationId xmlns:p14="http://schemas.microsoft.com/office/powerpoint/2010/main" val="2577722183"/>
+        <p14:creationId xmlns:p14="http://schemas.microsoft.com/office/powerpoint/2010/main" val="2854017061"/>
       </p:ext>
     </p:extLst>
   </p:cSld>
@@ -19766,7 +20059,7 @@
                   <a:srgbClr val="018F95"/>
                 </a:solidFill>
               </a:rPr>
-              <a:t>Notas da Release</a:t>
+              <a:t>Fechamento do Projeto (custo)</a:t>
             </a:r>
             <a:endParaRPr lang="pt-BR" sz="4400" dirty="0">
               <a:solidFill>
@@ -19779,7 +20072,7 @@
     </p:spTree>
     <p:extLst>
       <p:ext uri="{BB962C8B-B14F-4D97-AF65-F5344CB8AC3E}">
-        <p14:creationId xmlns:p14="http://schemas.microsoft.com/office/powerpoint/2010/main" val="2532622202"/>
+        <p14:creationId xmlns:p14="http://schemas.microsoft.com/office/powerpoint/2010/main" val="1763139466"/>
       </p:ext>
     </p:extLst>
   </p:cSld>
@@ -20001,6 +20294,666 @@
       </p:sp>
       <p:sp>
         <p:nvSpPr>
+          <p:cNvPr id="2" name="Date Placeholder 1"/>
+          <p:cNvSpPr>
+            <a:spLocks noGrp="1"/>
+          </p:cNvSpPr>
+          <p:nvPr>
+            <p:ph type="dt" sz="half" idx="10"/>
+          </p:nvPr>
+        </p:nvSpPr>
+        <p:spPr/>
+        <p:txBody>
+          <a:bodyPr/>
+          <a:lstStyle/>
+          <a:p>
+            <a:fld id="{23BDB24A-167F-40E8-9494-F0C97DD553F0}" type="datetime1">
+              <a:rPr lang="pt-BR" smtClean="0"/>
+              <a:t>28/02/2013</a:t>
+            </a:fld>
+            <a:endParaRPr lang="pt-BR"/>
+          </a:p>
+        </p:txBody>
+      </p:sp>
+      <p:sp>
+        <p:nvSpPr>
+          <p:cNvPr id="3" name="Footer Placeholder 2"/>
+          <p:cNvSpPr>
+            <a:spLocks noGrp="1"/>
+          </p:cNvSpPr>
+          <p:nvPr>
+            <p:ph type="ftr" sz="quarter" idx="11"/>
+          </p:nvPr>
+        </p:nvSpPr>
+        <p:spPr/>
+        <p:txBody>
+          <a:bodyPr/>
+          <a:lstStyle/>
+          <a:p>
+            <a:r>
+              <a:rPr lang="pt-BR" smtClean="0"/>
+              <a:t>Universidade de Brasília</a:t>
+            </a:r>
+            <a:endParaRPr lang="pt-BR"/>
+          </a:p>
+        </p:txBody>
+      </p:sp>
+      <p:sp>
+        <p:nvSpPr>
+          <p:cNvPr id="4" name="Slide Number Placeholder 3"/>
+          <p:cNvSpPr>
+            <a:spLocks noGrp="1"/>
+          </p:cNvSpPr>
+          <p:nvPr>
+            <p:ph type="sldNum" sz="quarter" idx="12"/>
+          </p:nvPr>
+        </p:nvSpPr>
+        <p:spPr/>
+        <p:txBody>
+          <a:bodyPr/>
+          <a:lstStyle/>
+          <a:p>
+            <a:fld id="{91C29FB6-5622-41FA-A98F-6A534139880B}" type="slidenum">
+              <a:rPr lang="pt-BR" smtClean="0"/>
+              <a:t>23</a:t>
+            </a:fld>
+            <a:endParaRPr lang="pt-BR"/>
+          </a:p>
+        </p:txBody>
+      </p:sp>
+      <p:sp>
+        <p:nvSpPr>
+          <p:cNvPr id="12" name="TextBox 10"/>
+          <p:cNvSpPr txBox="1"/>
+          <p:nvPr/>
+        </p:nvSpPr>
+        <p:spPr>
+          <a:xfrm>
+            <a:off x="818208" y="1509688"/>
+            <a:ext cx="7349694" cy="738664"/>
+          </a:xfrm>
+          <a:prstGeom prst="rect">
+            <a:avLst/>
+          </a:prstGeom>
+          <a:noFill/>
+        </p:spPr>
+        <p:txBody>
+          <a:bodyPr wrap="square" rtlCol="0">
+            <a:spAutoFit/>
+          </a:bodyPr>
+          <a:lstStyle/>
+          <a:p>
+            <a:r>
+              <a:rPr lang="pt-BR" sz="4200" dirty="0" smtClean="0">
+                <a:solidFill>
+                  <a:srgbClr val="018F95"/>
+                </a:solidFill>
+              </a:rPr>
+              <a:t>Fechamento do Projeto (escopo)</a:t>
+            </a:r>
+            <a:endParaRPr lang="pt-BR" sz="4200" dirty="0">
+              <a:solidFill>
+                <a:srgbClr val="018F95"/>
+              </a:solidFill>
+            </a:endParaRPr>
+          </a:p>
+        </p:txBody>
+      </p:sp>
+    </p:spTree>
+    <p:extLst>
+      <p:ext uri="{BB962C8B-B14F-4D97-AF65-F5344CB8AC3E}">
+        <p14:creationId xmlns:p14="http://schemas.microsoft.com/office/powerpoint/2010/main" val="2577722183"/>
+      </p:ext>
+    </p:extLst>
+  </p:cSld>
+  <p:clrMapOvr>
+    <a:masterClrMapping/>
+  </p:clrMapOvr>
+  <mc:AlternateContent xmlns:mc="http://schemas.openxmlformats.org/markup-compatibility/2006" xmlns:p14="http://schemas.microsoft.com/office/powerpoint/2010/main">
+    <mc:Choice Requires="p14">
+      <p:transition spd="slow" p14:dur="1200">
+        <p:dissolve/>
+      </p:transition>
+    </mc:Choice>
+    <mc:Fallback xmlns="">
+      <p:transition spd="slow">
+        <p:dissolve/>
+      </p:transition>
+    </mc:Fallback>
+  </mc:AlternateContent>
+  <p:timing>
+    <p:tnLst>
+      <p:par>
+        <p:cTn id="1" dur="indefinite" restart="never" nodeType="tmRoot"/>
+      </p:par>
+    </p:tnLst>
+  </p:timing>
+</p:sld>
+</file>
+
+<file path=ppt/slides/slide24.xml><?xml version="1.0" encoding="utf-8"?>
+<p:sld xmlns:a="http://schemas.openxmlformats.org/drawingml/2006/main" xmlns:r="http://schemas.openxmlformats.org/officeDocument/2006/relationships" xmlns:p="http://schemas.openxmlformats.org/presentationml/2006/main">
+  <p:cSld>
+    <p:spTree>
+      <p:nvGrpSpPr>
+        <p:cNvPr id="1" name=""/>
+        <p:cNvGrpSpPr/>
+        <p:nvPr/>
+      </p:nvGrpSpPr>
+      <p:grpSpPr>
+        <a:xfrm>
+          <a:off x="0" y="0"/>
+          <a:ext cx="0" cy="0"/>
+          <a:chOff x="0" y="0"/>
+          <a:chExt cx="0" cy="0"/>
+        </a:xfrm>
+      </p:grpSpPr>
+      <p:pic>
+        <p:nvPicPr>
+          <p:cNvPr id="7" name="Picture 6"/>
+          <p:cNvPicPr>
+            <a:picLocks noChangeAspect="1"/>
+          </p:cNvPicPr>
+          <p:nvPr/>
+        </p:nvPicPr>
+        <p:blipFill>
+          <a:blip r:embed="rId2">
+            <a:extLst>
+              <a:ext uri="{28A0092B-C50C-407E-A947-70E740481C1C}">
+                <a14:useLocalDpi xmlns:a14="http://schemas.microsoft.com/office/drawing/2010/main" val="0"/>
+              </a:ext>
+            </a:extLst>
+          </a:blip>
+          <a:stretch>
+            <a:fillRect/>
+          </a:stretch>
+        </p:blipFill>
+        <p:spPr>
+          <a:xfrm>
+            <a:off x="179512" y="116632"/>
+            <a:ext cx="3564345" cy="1412776"/>
+          </a:xfrm>
+          <a:prstGeom prst="rect">
+            <a:avLst/>
+          </a:prstGeom>
+        </p:spPr>
+      </p:pic>
+      <p:sp>
+        <p:nvSpPr>
+          <p:cNvPr id="10" name="Rectangle 9"/>
+          <p:cNvSpPr/>
+          <p:nvPr/>
+        </p:nvSpPr>
+        <p:spPr>
+          <a:xfrm>
+            <a:off x="175923" y="4941168"/>
+            <a:ext cx="1011701" cy="914400"/>
+          </a:xfrm>
+          <a:prstGeom prst="rect">
+            <a:avLst/>
+          </a:prstGeom>
+          <a:solidFill>
+            <a:srgbClr val="018F95"/>
+          </a:solidFill>
+          <a:ln>
+            <a:solidFill>
+              <a:srgbClr val="018F95"/>
+            </a:solidFill>
+          </a:ln>
+        </p:spPr>
+        <p:style>
+          <a:lnRef idx="2">
+            <a:schemeClr val="accent1">
+              <a:shade val="50000"/>
+            </a:schemeClr>
+          </a:lnRef>
+          <a:fillRef idx="1">
+            <a:schemeClr val="accent1"/>
+          </a:fillRef>
+          <a:effectRef idx="0">
+            <a:schemeClr val="accent1"/>
+          </a:effectRef>
+          <a:fontRef idx="minor">
+            <a:schemeClr val="lt1"/>
+          </a:fontRef>
+        </p:style>
+        <p:txBody>
+          <a:bodyPr rtlCol="0" anchor="ctr"/>
+          <a:lstStyle/>
+          <a:p>
+            <a:pPr algn="ctr"/>
+            <a:endParaRPr lang="pt-BR"/>
+          </a:p>
+        </p:txBody>
+      </p:sp>
+      <p:sp>
+        <p:nvSpPr>
+          <p:cNvPr id="8" name="Rectangle 7"/>
+          <p:cNvSpPr/>
+          <p:nvPr/>
+        </p:nvSpPr>
+        <p:spPr>
+          <a:xfrm>
+            <a:off x="450023" y="5279504"/>
+            <a:ext cx="1332148" cy="1101824"/>
+          </a:xfrm>
+          <a:prstGeom prst="rect">
+            <a:avLst/>
+          </a:prstGeom>
+          <a:solidFill>
+            <a:srgbClr val="27B169"/>
+          </a:solidFill>
+          <a:ln>
+            <a:solidFill>
+              <a:srgbClr val="27B169"/>
+            </a:solidFill>
+          </a:ln>
+        </p:spPr>
+        <p:style>
+          <a:lnRef idx="2">
+            <a:schemeClr val="accent1">
+              <a:shade val="50000"/>
+            </a:schemeClr>
+          </a:lnRef>
+          <a:fillRef idx="1">
+            <a:schemeClr val="accent1"/>
+          </a:fillRef>
+          <a:effectRef idx="0">
+            <a:schemeClr val="accent1"/>
+          </a:effectRef>
+          <a:fontRef idx="minor">
+            <a:schemeClr val="lt1"/>
+          </a:fontRef>
+        </p:style>
+        <p:txBody>
+          <a:bodyPr rtlCol="0" anchor="ctr"/>
+          <a:lstStyle/>
+          <a:p>
+            <a:pPr algn="ctr"/>
+            <a:endParaRPr lang="pt-BR"/>
+          </a:p>
+        </p:txBody>
+      </p:sp>
+      <p:sp>
+        <p:nvSpPr>
+          <p:cNvPr id="9" name="Rectangle 8"/>
+          <p:cNvSpPr/>
+          <p:nvPr/>
+        </p:nvSpPr>
+        <p:spPr>
+          <a:xfrm>
+            <a:off x="1430604" y="5633812"/>
+            <a:ext cx="914400" cy="914400"/>
+          </a:xfrm>
+          <a:prstGeom prst="rect">
+            <a:avLst/>
+          </a:prstGeom>
+          <a:solidFill>
+            <a:srgbClr val="018F95"/>
+          </a:solidFill>
+          <a:ln>
+            <a:solidFill>
+              <a:srgbClr val="018F95"/>
+            </a:solidFill>
+          </a:ln>
+        </p:spPr>
+        <p:style>
+          <a:lnRef idx="2">
+            <a:schemeClr val="accent1">
+              <a:shade val="50000"/>
+            </a:schemeClr>
+          </a:lnRef>
+          <a:fillRef idx="1">
+            <a:schemeClr val="accent1"/>
+          </a:fillRef>
+          <a:effectRef idx="0">
+            <a:schemeClr val="accent1"/>
+          </a:effectRef>
+          <a:fontRef idx="minor">
+            <a:schemeClr val="lt1"/>
+          </a:fontRef>
+        </p:style>
+        <p:txBody>
+          <a:bodyPr rtlCol="0" anchor="ctr"/>
+          <a:lstStyle/>
+          <a:p>
+            <a:pPr algn="ctr"/>
+            <a:endParaRPr lang="pt-BR"/>
+          </a:p>
+        </p:txBody>
+      </p:sp>
+      <p:sp>
+        <p:nvSpPr>
+          <p:cNvPr id="2" name="Date Placeholder 1"/>
+          <p:cNvSpPr>
+            <a:spLocks noGrp="1"/>
+          </p:cNvSpPr>
+          <p:nvPr>
+            <p:ph type="dt" sz="half" idx="10"/>
+          </p:nvPr>
+        </p:nvSpPr>
+        <p:spPr/>
+        <p:txBody>
+          <a:bodyPr/>
+          <a:lstStyle/>
+          <a:p>
+            <a:fld id="{23BDB24A-167F-40E8-9494-F0C97DD553F0}" type="datetime1">
+              <a:rPr lang="pt-BR" smtClean="0"/>
+              <a:t>28/02/2013</a:t>
+            </a:fld>
+            <a:endParaRPr lang="pt-BR"/>
+          </a:p>
+        </p:txBody>
+      </p:sp>
+      <p:sp>
+        <p:nvSpPr>
+          <p:cNvPr id="3" name="Footer Placeholder 2"/>
+          <p:cNvSpPr>
+            <a:spLocks noGrp="1"/>
+          </p:cNvSpPr>
+          <p:nvPr>
+            <p:ph type="ftr" sz="quarter" idx="11"/>
+          </p:nvPr>
+        </p:nvSpPr>
+        <p:spPr/>
+        <p:txBody>
+          <a:bodyPr/>
+          <a:lstStyle/>
+          <a:p>
+            <a:r>
+              <a:rPr lang="pt-BR" smtClean="0"/>
+              <a:t>Universidade de Brasília</a:t>
+            </a:r>
+            <a:endParaRPr lang="pt-BR"/>
+          </a:p>
+        </p:txBody>
+      </p:sp>
+      <p:sp>
+        <p:nvSpPr>
+          <p:cNvPr id="4" name="Slide Number Placeholder 3"/>
+          <p:cNvSpPr>
+            <a:spLocks noGrp="1"/>
+          </p:cNvSpPr>
+          <p:nvPr>
+            <p:ph type="sldNum" sz="quarter" idx="12"/>
+          </p:nvPr>
+        </p:nvSpPr>
+        <p:spPr/>
+        <p:txBody>
+          <a:bodyPr/>
+          <a:lstStyle/>
+          <a:p>
+            <a:fld id="{91C29FB6-5622-41FA-A98F-6A534139880B}" type="slidenum">
+              <a:rPr lang="pt-BR" smtClean="0"/>
+              <a:t>24</a:t>
+            </a:fld>
+            <a:endParaRPr lang="pt-BR"/>
+          </a:p>
+        </p:txBody>
+      </p:sp>
+      <p:sp>
+        <p:nvSpPr>
+          <p:cNvPr id="12" name="TextBox 10"/>
+          <p:cNvSpPr txBox="1"/>
+          <p:nvPr/>
+        </p:nvSpPr>
+        <p:spPr>
+          <a:xfrm>
+            <a:off x="818208" y="1509688"/>
+            <a:ext cx="7349694" cy="769441"/>
+          </a:xfrm>
+          <a:prstGeom prst="rect">
+            <a:avLst/>
+          </a:prstGeom>
+          <a:noFill/>
+        </p:spPr>
+        <p:txBody>
+          <a:bodyPr wrap="square" rtlCol="0">
+            <a:spAutoFit/>
+          </a:bodyPr>
+          <a:lstStyle/>
+          <a:p>
+            <a:r>
+              <a:rPr lang="pt-BR" sz="4400" dirty="0" smtClean="0">
+                <a:solidFill>
+                  <a:srgbClr val="018F95"/>
+                </a:solidFill>
+              </a:rPr>
+              <a:t>Notas da Release</a:t>
+            </a:r>
+            <a:endParaRPr lang="pt-BR" sz="4400" dirty="0">
+              <a:solidFill>
+                <a:srgbClr val="018F95"/>
+              </a:solidFill>
+            </a:endParaRPr>
+          </a:p>
+        </p:txBody>
+      </p:sp>
+    </p:spTree>
+    <p:extLst>
+      <p:ext uri="{BB962C8B-B14F-4D97-AF65-F5344CB8AC3E}">
+        <p14:creationId xmlns:p14="http://schemas.microsoft.com/office/powerpoint/2010/main" val="2532622202"/>
+      </p:ext>
+    </p:extLst>
+  </p:cSld>
+  <p:clrMapOvr>
+    <a:masterClrMapping/>
+  </p:clrMapOvr>
+  <mc:AlternateContent xmlns:mc="http://schemas.openxmlformats.org/markup-compatibility/2006" xmlns:p14="http://schemas.microsoft.com/office/powerpoint/2010/main">
+    <mc:Choice Requires="p14">
+      <p:transition spd="slow" p14:dur="1200">
+        <p:dissolve/>
+      </p:transition>
+    </mc:Choice>
+    <mc:Fallback xmlns="">
+      <p:transition spd="slow">
+        <p:dissolve/>
+      </p:transition>
+    </mc:Fallback>
+  </mc:AlternateContent>
+  <p:timing>
+    <p:tnLst>
+      <p:par>
+        <p:cTn id="1" dur="indefinite" restart="never" nodeType="tmRoot"/>
+      </p:par>
+    </p:tnLst>
+  </p:timing>
+</p:sld>
+</file>
+
+<file path=ppt/slides/slide25.xml><?xml version="1.0" encoding="utf-8"?>
+<p:sld xmlns:a="http://schemas.openxmlformats.org/drawingml/2006/main" xmlns:r="http://schemas.openxmlformats.org/officeDocument/2006/relationships" xmlns:p="http://schemas.openxmlformats.org/presentationml/2006/main">
+  <p:cSld>
+    <p:spTree>
+      <p:nvGrpSpPr>
+        <p:cNvPr id="1" name=""/>
+        <p:cNvGrpSpPr/>
+        <p:nvPr/>
+      </p:nvGrpSpPr>
+      <p:grpSpPr>
+        <a:xfrm>
+          <a:off x="0" y="0"/>
+          <a:ext cx="0" cy="0"/>
+          <a:chOff x="0" y="0"/>
+          <a:chExt cx="0" cy="0"/>
+        </a:xfrm>
+      </p:grpSpPr>
+      <p:pic>
+        <p:nvPicPr>
+          <p:cNvPr id="7" name="Picture 6"/>
+          <p:cNvPicPr>
+            <a:picLocks noChangeAspect="1"/>
+          </p:cNvPicPr>
+          <p:nvPr/>
+        </p:nvPicPr>
+        <p:blipFill>
+          <a:blip r:embed="rId2">
+            <a:extLst>
+              <a:ext uri="{28A0092B-C50C-407E-A947-70E740481C1C}">
+                <a14:useLocalDpi xmlns:a14="http://schemas.microsoft.com/office/drawing/2010/main" val="0"/>
+              </a:ext>
+            </a:extLst>
+          </a:blip>
+          <a:stretch>
+            <a:fillRect/>
+          </a:stretch>
+        </p:blipFill>
+        <p:spPr>
+          <a:xfrm>
+            <a:off x="179512" y="116632"/>
+            <a:ext cx="3564345" cy="1412776"/>
+          </a:xfrm>
+          <a:prstGeom prst="rect">
+            <a:avLst/>
+          </a:prstGeom>
+        </p:spPr>
+      </p:pic>
+      <p:sp>
+        <p:nvSpPr>
+          <p:cNvPr id="10" name="Rectangle 9"/>
+          <p:cNvSpPr/>
+          <p:nvPr/>
+        </p:nvSpPr>
+        <p:spPr>
+          <a:xfrm>
+            <a:off x="175923" y="4941168"/>
+            <a:ext cx="1011701" cy="914400"/>
+          </a:xfrm>
+          <a:prstGeom prst="rect">
+            <a:avLst/>
+          </a:prstGeom>
+          <a:solidFill>
+            <a:srgbClr val="018F95"/>
+          </a:solidFill>
+          <a:ln>
+            <a:solidFill>
+              <a:srgbClr val="018F95"/>
+            </a:solidFill>
+          </a:ln>
+        </p:spPr>
+        <p:style>
+          <a:lnRef idx="2">
+            <a:schemeClr val="accent1">
+              <a:shade val="50000"/>
+            </a:schemeClr>
+          </a:lnRef>
+          <a:fillRef idx="1">
+            <a:schemeClr val="accent1"/>
+          </a:fillRef>
+          <a:effectRef idx="0">
+            <a:schemeClr val="accent1"/>
+          </a:effectRef>
+          <a:fontRef idx="minor">
+            <a:schemeClr val="lt1"/>
+          </a:fontRef>
+        </p:style>
+        <p:txBody>
+          <a:bodyPr rtlCol="0" anchor="ctr"/>
+          <a:lstStyle/>
+          <a:p>
+            <a:pPr algn="ctr"/>
+            <a:endParaRPr lang="pt-BR"/>
+          </a:p>
+        </p:txBody>
+      </p:sp>
+      <p:sp>
+        <p:nvSpPr>
+          <p:cNvPr id="8" name="Rectangle 7"/>
+          <p:cNvSpPr/>
+          <p:nvPr/>
+        </p:nvSpPr>
+        <p:spPr>
+          <a:xfrm>
+            <a:off x="450023" y="5279504"/>
+            <a:ext cx="1332148" cy="1101824"/>
+          </a:xfrm>
+          <a:prstGeom prst="rect">
+            <a:avLst/>
+          </a:prstGeom>
+          <a:solidFill>
+            <a:srgbClr val="27B169"/>
+          </a:solidFill>
+          <a:ln>
+            <a:solidFill>
+              <a:srgbClr val="27B169"/>
+            </a:solidFill>
+          </a:ln>
+        </p:spPr>
+        <p:style>
+          <a:lnRef idx="2">
+            <a:schemeClr val="accent1">
+              <a:shade val="50000"/>
+            </a:schemeClr>
+          </a:lnRef>
+          <a:fillRef idx="1">
+            <a:schemeClr val="accent1"/>
+          </a:fillRef>
+          <a:effectRef idx="0">
+            <a:schemeClr val="accent1"/>
+          </a:effectRef>
+          <a:fontRef idx="minor">
+            <a:schemeClr val="lt1"/>
+          </a:fontRef>
+        </p:style>
+        <p:txBody>
+          <a:bodyPr rtlCol="0" anchor="ctr"/>
+          <a:lstStyle/>
+          <a:p>
+            <a:pPr algn="ctr"/>
+            <a:endParaRPr lang="pt-BR"/>
+          </a:p>
+        </p:txBody>
+      </p:sp>
+      <p:sp>
+        <p:nvSpPr>
+          <p:cNvPr id="9" name="Rectangle 8"/>
+          <p:cNvSpPr/>
+          <p:nvPr/>
+        </p:nvSpPr>
+        <p:spPr>
+          <a:xfrm>
+            <a:off x="1430604" y="5633812"/>
+            <a:ext cx="914400" cy="914400"/>
+          </a:xfrm>
+          <a:prstGeom prst="rect">
+            <a:avLst/>
+          </a:prstGeom>
+          <a:solidFill>
+            <a:srgbClr val="018F95"/>
+          </a:solidFill>
+          <a:ln>
+            <a:solidFill>
+              <a:srgbClr val="018F95"/>
+            </a:solidFill>
+          </a:ln>
+        </p:spPr>
+        <p:style>
+          <a:lnRef idx="2">
+            <a:schemeClr val="accent1">
+              <a:shade val="50000"/>
+            </a:schemeClr>
+          </a:lnRef>
+          <a:fillRef idx="1">
+            <a:schemeClr val="accent1"/>
+          </a:fillRef>
+          <a:effectRef idx="0">
+            <a:schemeClr val="accent1"/>
+          </a:effectRef>
+          <a:fontRef idx="minor">
+            <a:schemeClr val="lt1"/>
+          </a:fontRef>
+        </p:style>
+        <p:txBody>
+          <a:bodyPr rtlCol="0" anchor="ctr"/>
+          <a:lstStyle/>
+          <a:p>
+            <a:pPr algn="ctr"/>
+            <a:endParaRPr lang="pt-BR"/>
+          </a:p>
+        </p:txBody>
+      </p:sp>
+      <p:sp>
+        <p:nvSpPr>
           <p:cNvPr id="6" name="Rounded Rectangle 5"/>
           <p:cNvSpPr/>
           <p:nvPr/>
@@ -20305,7 +21258,7 @@
           <a:p>
             <a:fld id="{91C29FB6-5622-41FA-A98F-6A534139880B}" type="slidenum">
               <a:rPr lang="pt-BR" smtClean="0"/>
-              <a:t>23</a:t>
+              <a:t>25</a:t>
             </a:fld>
             <a:endParaRPr lang="pt-BR"/>
           </a:p>
@@ -20464,7 +21417,7 @@
 </p:sld>
 </file>
 
-<file path=ppt/slides/slide24.xml><?xml version="1.0" encoding="utf-8"?>
+<file path=ppt/slides/slide26.xml><?xml version="1.0" encoding="utf-8"?>
 <p:sld xmlns:a="http://schemas.openxmlformats.org/drawingml/2006/main" xmlns:r="http://schemas.openxmlformats.org/officeDocument/2006/relationships" xmlns:p="http://schemas.openxmlformats.org/presentationml/2006/main">
   <p:cSld>
     <p:spTree>
@@ -20791,7 +21744,7 @@
           <a:p>
             <a:fld id="{91C29FB6-5622-41FA-A98F-6A534139880B}" type="slidenum">
               <a:rPr lang="pt-BR" smtClean="0"/>
-              <a:t>24</a:t>
+              <a:t>26</a:t>
             </a:fld>
             <a:endParaRPr lang="pt-BR"/>
           </a:p>
@@ -20825,7 +21778,7 @@
 </p:sld>
 </file>
 
-<file path=ppt/slides/slide25.xml><?xml version="1.0" encoding="utf-8"?>
+<file path=ppt/slides/slide27.xml><?xml version="1.0" encoding="utf-8"?>
 <p:sld xmlns:a="http://schemas.openxmlformats.org/drawingml/2006/main" xmlns:r="http://schemas.openxmlformats.org/officeDocument/2006/relationships" xmlns:p="http://schemas.openxmlformats.org/presentationml/2006/main">
   <p:cSld>
     <p:spTree>
@@ -21271,7 +22224,7 @@
           <a:p>
             <a:fld id="{91C29FB6-5622-41FA-A98F-6A534139880B}" type="slidenum">
               <a:rPr lang="pt-BR" smtClean="0"/>
-              <a:t>25</a:t>
+              <a:t>27</a:t>
             </a:fld>
             <a:endParaRPr lang="pt-BR"/>
           </a:p>
@@ -21430,7 +22383,7 @@
 </p:sld>
 </file>
 
-<file path=ppt/slides/slide26.xml><?xml version="1.0" encoding="utf-8"?>
+<file path=ppt/slides/slide28.xml><?xml version="1.0" encoding="utf-8"?>
 <p:sld xmlns:a="http://schemas.openxmlformats.org/drawingml/2006/main" xmlns:r="http://schemas.openxmlformats.org/officeDocument/2006/relationships" xmlns:p="http://schemas.openxmlformats.org/presentationml/2006/main">
   <p:cSld>
     <p:spTree>
@@ -21757,7 +22710,7 @@
           <a:p>
             <a:fld id="{91C29FB6-5622-41FA-A98F-6A534139880B}" type="slidenum">
               <a:rPr lang="pt-BR" smtClean="0"/>
-              <a:t>26</a:t>
+              <a:t>28</a:t>
             </a:fld>
             <a:endParaRPr lang="pt-BR"/>
           </a:p>
@@ -21791,7 +22744,7 @@
 </p:sld>
 </file>
 
-<file path=ppt/slides/slide27.xml><?xml version="1.0" encoding="utf-8"?>
+<file path=ppt/slides/slide29.xml><?xml version="1.0" encoding="utf-8"?>
 <p:sld xmlns:a="http://schemas.openxmlformats.org/drawingml/2006/main" xmlns:r="http://schemas.openxmlformats.org/officeDocument/2006/relationships" xmlns:p="http://schemas.openxmlformats.org/presentationml/2006/main">
   <p:cSld>
     <p:spTree>
@@ -22186,7 +23139,7 @@
           <a:p>
             <a:fld id="{91C29FB6-5622-41FA-A98F-6A534139880B}" type="slidenum">
               <a:rPr lang="pt-BR" smtClean="0"/>
-              <a:t>27</a:t>
+              <a:t>29</a:t>
             </a:fld>
             <a:endParaRPr lang="pt-BR"/>
           </a:p>
@@ -22345,7 +23298,7 @@
 </p:sld>
 </file>
 
-<file path=ppt/slides/slide28.xml><?xml version="1.0" encoding="utf-8"?>
+<file path=ppt/slides/slide3.xml><?xml version="1.0" encoding="utf-8"?>
 <p:sld xmlns:a="http://schemas.openxmlformats.org/drawingml/2006/main" xmlns:r="http://schemas.openxmlformats.org/officeDocument/2006/relationships" xmlns:p="http://schemas.openxmlformats.org/presentationml/2006/main">
   <p:cSld>
     <p:spTree>
@@ -22536,82 +23489,65 @@
           </a:p>
         </p:txBody>
       </p:sp>
-      <p:graphicFrame>
-        <p:nvGraphicFramePr>
-          <p:cNvPr id="2" name="Diagram 1"/>
-          <p:cNvGraphicFramePr/>
-          <p:nvPr>
-            <p:extLst>
-              <p:ext uri="{D42A27DB-BD31-4B8C-83A1-F6EECF244321}">
-                <p14:modId xmlns:p14="http://schemas.microsoft.com/office/powerpoint/2010/main" val="1366722617"/>
-              </p:ext>
-            </p:extLst>
-          </p:nvPr>
-        </p:nvGraphicFramePr>
-        <p:xfrm>
-          <a:off x="1500336" y="1569812"/>
-          <a:ext cx="6096000" cy="4064000"/>
-        </p:xfrm>
-        <a:graphic>
-          <a:graphicData uri="http://schemas.openxmlformats.org/drawingml/2006/diagram">
-            <dgm:relIds xmlns:dgm="http://schemas.openxmlformats.org/drawingml/2006/diagram" xmlns:r="http://schemas.openxmlformats.org/officeDocument/2006/relationships" r:dm="rId3" r:lo="rId4" r:qs="rId5" r:cs="rId6"/>
-          </a:graphicData>
-        </a:graphic>
-      </p:graphicFrame>
-      <p:sp>
-        <p:nvSpPr>
-          <p:cNvPr id="12" name="Rounded Rectangle 11"/>
-          <p:cNvSpPr/>
+      <p:sp>
+        <p:nvSpPr>
+          <p:cNvPr id="11" name="TextBox 10"/>
+          <p:cNvSpPr txBox="1"/>
           <p:nvPr/>
         </p:nvSpPr>
         <p:spPr>
           <a:xfrm>
-            <a:off x="6156176" y="365820"/>
-            <a:ext cx="2880320" cy="914400"/>
+            <a:off x="6504803" y="4276843"/>
+            <a:ext cx="2275495" cy="2308324"/>
           </a:xfrm>
-          <a:prstGeom prst="roundRect">
+          <a:prstGeom prst="rect">
             <a:avLst/>
           </a:prstGeom>
-          <a:solidFill>
-            <a:srgbClr val="27B169"/>
-          </a:solidFill>
-          <a:ln>
-            <a:solidFill>
-              <a:srgbClr val="27B169"/>
-            </a:solidFill>
-          </a:ln>
+          <a:noFill/>
         </p:spPr>
-        <p:style>
-          <a:lnRef idx="2">
-            <a:schemeClr val="accent1">
-              <a:shade val="50000"/>
-            </a:schemeClr>
-          </a:lnRef>
-          <a:fillRef idx="1">
-            <a:schemeClr val="accent1"/>
-          </a:fillRef>
-          <a:effectRef idx="0">
-            <a:schemeClr val="accent1"/>
-          </a:effectRef>
-          <a:fontRef idx="minor">
-            <a:schemeClr val="lt1"/>
-          </a:fontRef>
-        </p:style>
-        <p:txBody>
-          <a:bodyPr rtlCol="0" anchor="ctr"/>
-          <a:lstStyle/>
-          <a:p>
-            <a:pPr algn="ctr"/>
+        <p:txBody>
+          <a:bodyPr wrap="none" rtlCol="0">
+            <a:spAutoFit/>
+          </a:bodyPr>
+          <a:lstStyle/>
+          <a:p>
             <a:r>
-              <a:rPr lang="pt-BR" sz="3200" dirty="0" smtClean="0"/>
-              <a:t>Manter Tipo</a:t>
+              <a:rPr lang="pt-BR" sz="2400" dirty="0" smtClean="0"/>
+              <a:t>MDS</a:t>
             </a:r>
           </a:p>
-        </p:txBody>
-      </p:sp>
-      <p:sp>
-        <p:nvSpPr>
-          <p:cNvPr id="3" name="Date Placeholder 2"/>
+          <a:p>
+            <a:endParaRPr lang="pt-BR" sz="2400" dirty="0"/>
+          </a:p>
+          <a:p>
+            <a:r>
+              <a:rPr lang="pt-BR" sz="2400" dirty="0" smtClean="0"/>
+              <a:t>Filipe Borges</a:t>
+            </a:r>
+          </a:p>
+          <a:p>
+            <a:r>
+              <a:rPr lang="pt-BR" sz="2400" dirty="0" smtClean="0"/>
+              <a:t>Lucas Couto</a:t>
+            </a:r>
+          </a:p>
+          <a:p>
+            <a:r>
+              <a:rPr lang="pt-BR" sz="2400" dirty="0" smtClean="0"/>
+              <a:t>Ruyther Parente</a:t>
+            </a:r>
+          </a:p>
+          <a:p>
+            <a:r>
+              <a:rPr lang="pt-BR" sz="2400" dirty="0" smtClean="0"/>
+              <a:t>Vanessa Barbosa</a:t>
+            </a:r>
+          </a:p>
+        </p:txBody>
+      </p:sp>
+      <p:sp>
+        <p:nvSpPr>
+          <p:cNvPr id="2" name="Date Placeholder 1"/>
           <p:cNvSpPr>
             <a:spLocks noGrp="1"/>
           </p:cNvSpPr>
@@ -22624,7 +23560,7 @@
           <a:bodyPr/>
           <a:lstStyle/>
           <a:p>
-            <a:fld id="{8777783D-F418-4FFC-9A48-01DCADC2A12F}" type="datetime1">
+            <a:fld id="{23BDB24A-167F-40E8-9494-F0C97DD553F0}" type="datetime1">
               <a:rPr lang="pt-BR" smtClean="0"/>
               <a:t>28/02/2013</a:t>
             </a:fld>
@@ -22634,7 +23570,7 @@
       </p:sp>
       <p:sp>
         <p:nvSpPr>
-          <p:cNvPr id="4" name="Footer Placeholder 3"/>
+          <p:cNvPr id="3" name="Footer Placeholder 2"/>
           <p:cNvSpPr>
             <a:spLocks noGrp="1"/>
           </p:cNvSpPr>
@@ -22657,7 +23593,7 @@
       </p:sp>
       <p:sp>
         <p:nvSpPr>
-          <p:cNvPr id="5" name="Slide Number Placeholder 4"/>
+          <p:cNvPr id="4" name="Slide Number Placeholder 3"/>
           <p:cNvSpPr>
             <a:spLocks noGrp="1"/>
           </p:cNvSpPr>
@@ -22672,7 +23608,7 @@
           <a:p>
             <a:fld id="{91C29FB6-5622-41FA-A98F-6A534139880B}" type="slidenum">
               <a:rPr lang="pt-BR" smtClean="0"/>
-              <a:t>28</a:t>
+              <a:t>3</a:t>
             </a:fld>
             <a:endParaRPr lang="pt-BR"/>
           </a:p>
@@ -22681,7 +23617,7 @@
     </p:spTree>
     <p:extLst>
       <p:ext uri="{BB962C8B-B14F-4D97-AF65-F5344CB8AC3E}">
-        <p14:creationId xmlns:p14="http://schemas.microsoft.com/office/powerpoint/2010/main" val="2549280477"/>
+        <p14:creationId xmlns:p14="http://schemas.microsoft.com/office/powerpoint/2010/main" val="3164711871"/>
       </p:ext>
     </p:extLst>
   </p:cSld>
@@ -22690,10 +23626,14 @@
   </p:clrMapOvr>
   <mc:AlternateContent xmlns:mc="http://schemas.openxmlformats.org/markup-compatibility/2006" xmlns:p14="http://schemas.microsoft.com/office/powerpoint/2010/main">
     <mc:Choice Requires="p14">
-      <p:transition p14:dur="0"/>
+      <p:transition spd="slow" p14:dur="1200">
+        <p:dissolve/>
+      </p:transition>
     </mc:Choice>
     <mc:Fallback xmlns="">
-      <p:transition/>
+      <p:transition spd="slow">
+        <p:dissolve/>
+      </p:transition>
     </mc:Fallback>
   </mc:AlternateContent>
   <p:timing>
@@ -22706,7 +23646,7 @@
 </p:sld>
 </file>
 
-<file path=ppt/slides/slide29.xml><?xml version="1.0" encoding="utf-8"?>
+<file path=ppt/slides/slide30.xml><?xml version="1.0" encoding="utf-8"?>
 <p:sld xmlns:a="http://schemas.openxmlformats.org/drawingml/2006/main" xmlns:r="http://schemas.openxmlformats.org/officeDocument/2006/relationships" xmlns:p="http://schemas.openxmlformats.org/presentationml/2006/main">
   <p:cSld>
     <p:spTree>
@@ -22897,6 +23837,367 @@
           </a:p>
         </p:txBody>
       </p:sp>
+      <p:graphicFrame>
+        <p:nvGraphicFramePr>
+          <p:cNvPr id="2" name="Diagram 1"/>
+          <p:cNvGraphicFramePr/>
+          <p:nvPr>
+            <p:extLst>
+              <p:ext uri="{D42A27DB-BD31-4B8C-83A1-F6EECF244321}">
+                <p14:modId xmlns:p14="http://schemas.microsoft.com/office/powerpoint/2010/main" val="1366722617"/>
+              </p:ext>
+            </p:extLst>
+          </p:nvPr>
+        </p:nvGraphicFramePr>
+        <p:xfrm>
+          <a:off x="1500336" y="1569812"/>
+          <a:ext cx="6096000" cy="4064000"/>
+        </p:xfrm>
+        <a:graphic>
+          <a:graphicData uri="http://schemas.openxmlformats.org/drawingml/2006/diagram">
+            <dgm:relIds xmlns:dgm="http://schemas.openxmlformats.org/drawingml/2006/diagram" xmlns:r="http://schemas.openxmlformats.org/officeDocument/2006/relationships" r:dm="rId3" r:lo="rId4" r:qs="rId5" r:cs="rId6"/>
+          </a:graphicData>
+        </a:graphic>
+      </p:graphicFrame>
+      <p:sp>
+        <p:nvSpPr>
+          <p:cNvPr id="12" name="Rounded Rectangle 11"/>
+          <p:cNvSpPr/>
+          <p:nvPr/>
+        </p:nvSpPr>
+        <p:spPr>
+          <a:xfrm>
+            <a:off x="6156176" y="365820"/>
+            <a:ext cx="2880320" cy="914400"/>
+          </a:xfrm>
+          <a:prstGeom prst="roundRect">
+            <a:avLst/>
+          </a:prstGeom>
+          <a:solidFill>
+            <a:srgbClr val="27B169"/>
+          </a:solidFill>
+          <a:ln>
+            <a:solidFill>
+              <a:srgbClr val="27B169"/>
+            </a:solidFill>
+          </a:ln>
+        </p:spPr>
+        <p:style>
+          <a:lnRef idx="2">
+            <a:schemeClr val="accent1">
+              <a:shade val="50000"/>
+            </a:schemeClr>
+          </a:lnRef>
+          <a:fillRef idx="1">
+            <a:schemeClr val="accent1"/>
+          </a:fillRef>
+          <a:effectRef idx="0">
+            <a:schemeClr val="accent1"/>
+          </a:effectRef>
+          <a:fontRef idx="minor">
+            <a:schemeClr val="lt1"/>
+          </a:fontRef>
+        </p:style>
+        <p:txBody>
+          <a:bodyPr rtlCol="0" anchor="ctr"/>
+          <a:lstStyle/>
+          <a:p>
+            <a:pPr algn="ctr"/>
+            <a:r>
+              <a:rPr lang="pt-BR" sz="3200" dirty="0" smtClean="0"/>
+              <a:t>Manter Tipo</a:t>
+            </a:r>
+          </a:p>
+        </p:txBody>
+      </p:sp>
+      <p:sp>
+        <p:nvSpPr>
+          <p:cNvPr id="3" name="Date Placeholder 2"/>
+          <p:cNvSpPr>
+            <a:spLocks noGrp="1"/>
+          </p:cNvSpPr>
+          <p:nvPr>
+            <p:ph type="dt" sz="half" idx="10"/>
+          </p:nvPr>
+        </p:nvSpPr>
+        <p:spPr/>
+        <p:txBody>
+          <a:bodyPr/>
+          <a:lstStyle/>
+          <a:p>
+            <a:fld id="{8777783D-F418-4FFC-9A48-01DCADC2A12F}" type="datetime1">
+              <a:rPr lang="pt-BR" smtClean="0"/>
+              <a:t>28/02/2013</a:t>
+            </a:fld>
+            <a:endParaRPr lang="pt-BR"/>
+          </a:p>
+        </p:txBody>
+      </p:sp>
+      <p:sp>
+        <p:nvSpPr>
+          <p:cNvPr id="4" name="Footer Placeholder 3"/>
+          <p:cNvSpPr>
+            <a:spLocks noGrp="1"/>
+          </p:cNvSpPr>
+          <p:nvPr>
+            <p:ph type="ftr" sz="quarter" idx="11"/>
+          </p:nvPr>
+        </p:nvSpPr>
+        <p:spPr/>
+        <p:txBody>
+          <a:bodyPr/>
+          <a:lstStyle/>
+          <a:p>
+            <a:r>
+              <a:rPr lang="pt-BR" smtClean="0"/>
+              <a:t>Universidade de Brasília</a:t>
+            </a:r>
+            <a:endParaRPr lang="pt-BR"/>
+          </a:p>
+        </p:txBody>
+      </p:sp>
+      <p:sp>
+        <p:nvSpPr>
+          <p:cNvPr id="5" name="Slide Number Placeholder 4"/>
+          <p:cNvSpPr>
+            <a:spLocks noGrp="1"/>
+          </p:cNvSpPr>
+          <p:nvPr>
+            <p:ph type="sldNum" sz="quarter" idx="12"/>
+          </p:nvPr>
+        </p:nvSpPr>
+        <p:spPr/>
+        <p:txBody>
+          <a:bodyPr/>
+          <a:lstStyle/>
+          <a:p>
+            <a:fld id="{91C29FB6-5622-41FA-A98F-6A534139880B}" type="slidenum">
+              <a:rPr lang="pt-BR" smtClean="0"/>
+              <a:t>30</a:t>
+            </a:fld>
+            <a:endParaRPr lang="pt-BR"/>
+          </a:p>
+        </p:txBody>
+      </p:sp>
+    </p:spTree>
+    <p:extLst>
+      <p:ext uri="{BB962C8B-B14F-4D97-AF65-F5344CB8AC3E}">
+        <p14:creationId xmlns:p14="http://schemas.microsoft.com/office/powerpoint/2010/main" val="2549280477"/>
+      </p:ext>
+    </p:extLst>
+  </p:cSld>
+  <p:clrMapOvr>
+    <a:masterClrMapping/>
+  </p:clrMapOvr>
+  <mc:AlternateContent xmlns:mc="http://schemas.openxmlformats.org/markup-compatibility/2006" xmlns:p14="http://schemas.microsoft.com/office/powerpoint/2010/main">
+    <mc:Choice Requires="p14">
+      <p:transition p14:dur="0"/>
+    </mc:Choice>
+    <mc:Fallback xmlns="">
+      <p:transition/>
+    </mc:Fallback>
+  </mc:AlternateContent>
+  <p:timing>
+    <p:tnLst>
+      <p:par>
+        <p:cTn id="1" dur="indefinite" restart="never" nodeType="tmRoot"/>
+      </p:par>
+    </p:tnLst>
+  </p:timing>
+</p:sld>
+</file>
+
+<file path=ppt/slides/slide31.xml><?xml version="1.0" encoding="utf-8"?>
+<p:sld xmlns:a="http://schemas.openxmlformats.org/drawingml/2006/main" xmlns:r="http://schemas.openxmlformats.org/officeDocument/2006/relationships" xmlns:p="http://schemas.openxmlformats.org/presentationml/2006/main">
+  <p:cSld>
+    <p:spTree>
+      <p:nvGrpSpPr>
+        <p:cNvPr id="1" name=""/>
+        <p:cNvGrpSpPr/>
+        <p:nvPr/>
+      </p:nvGrpSpPr>
+      <p:grpSpPr>
+        <a:xfrm>
+          <a:off x="0" y="0"/>
+          <a:ext cx="0" cy="0"/>
+          <a:chOff x="0" y="0"/>
+          <a:chExt cx="0" cy="0"/>
+        </a:xfrm>
+      </p:grpSpPr>
+      <p:pic>
+        <p:nvPicPr>
+          <p:cNvPr id="7" name="Picture 6"/>
+          <p:cNvPicPr>
+            <a:picLocks noChangeAspect="1"/>
+          </p:cNvPicPr>
+          <p:nvPr/>
+        </p:nvPicPr>
+        <p:blipFill>
+          <a:blip r:embed="rId2">
+            <a:extLst>
+              <a:ext uri="{28A0092B-C50C-407E-A947-70E740481C1C}">
+                <a14:useLocalDpi xmlns:a14="http://schemas.microsoft.com/office/drawing/2010/main" val="0"/>
+              </a:ext>
+            </a:extLst>
+          </a:blip>
+          <a:stretch>
+            <a:fillRect/>
+          </a:stretch>
+        </p:blipFill>
+        <p:spPr>
+          <a:xfrm>
+            <a:off x="179512" y="116632"/>
+            <a:ext cx="3564345" cy="1412776"/>
+          </a:xfrm>
+          <a:prstGeom prst="rect">
+            <a:avLst/>
+          </a:prstGeom>
+        </p:spPr>
+      </p:pic>
+      <p:sp>
+        <p:nvSpPr>
+          <p:cNvPr id="10" name="Rectangle 9"/>
+          <p:cNvSpPr/>
+          <p:nvPr/>
+        </p:nvSpPr>
+        <p:spPr>
+          <a:xfrm>
+            <a:off x="175923" y="4941168"/>
+            <a:ext cx="1011701" cy="914400"/>
+          </a:xfrm>
+          <a:prstGeom prst="rect">
+            <a:avLst/>
+          </a:prstGeom>
+          <a:solidFill>
+            <a:srgbClr val="018F95"/>
+          </a:solidFill>
+          <a:ln>
+            <a:solidFill>
+              <a:srgbClr val="018F95"/>
+            </a:solidFill>
+          </a:ln>
+        </p:spPr>
+        <p:style>
+          <a:lnRef idx="2">
+            <a:schemeClr val="accent1">
+              <a:shade val="50000"/>
+            </a:schemeClr>
+          </a:lnRef>
+          <a:fillRef idx="1">
+            <a:schemeClr val="accent1"/>
+          </a:fillRef>
+          <a:effectRef idx="0">
+            <a:schemeClr val="accent1"/>
+          </a:effectRef>
+          <a:fontRef idx="minor">
+            <a:schemeClr val="lt1"/>
+          </a:fontRef>
+        </p:style>
+        <p:txBody>
+          <a:bodyPr rtlCol="0" anchor="ctr"/>
+          <a:lstStyle/>
+          <a:p>
+            <a:pPr algn="ctr"/>
+            <a:endParaRPr lang="pt-BR"/>
+          </a:p>
+        </p:txBody>
+      </p:sp>
+      <p:sp>
+        <p:nvSpPr>
+          <p:cNvPr id="8" name="Rectangle 7"/>
+          <p:cNvSpPr/>
+          <p:nvPr/>
+        </p:nvSpPr>
+        <p:spPr>
+          <a:xfrm>
+            <a:off x="450023" y="5279504"/>
+            <a:ext cx="1332148" cy="1101824"/>
+          </a:xfrm>
+          <a:prstGeom prst="rect">
+            <a:avLst/>
+          </a:prstGeom>
+          <a:solidFill>
+            <a:srgbClr val="27B169"/>
+          </a:solidFill>
+          <a:ln>
+            <a:solidFill>
+              <a:srgbClr val="27B169"/>
+            </a:solidFill>
+          </a:ln>
+        </p:spPr>
+        <p:style>
+          <a:lnRef idx="2">
+            <a:schemeClr val="accent1">
+              <a:shade val="50000"/>
+            </a:schemeClr>
+          </a:lnRef>
+          <a:fillRef idx="1">
+            <a:schemeClr val="accent1"/>
+          </a:fillRef>
+          <a:effectRef idx="0">
+            <a:schemeClr val="accent1"/>
+          </a:effectRef>
+          <a:fontRef idx="minor">
+            <a:schemeClr val="lt1"/>
+          </a:fontRef>
+        </p:style>
+        <p:txBody>
+          <a:bodyPr rtlCol="0" anchor="ctr"/>
+          <a:lstStyle/>
+          <a:p>
+            <a:pPr algn="ctr"/>
+            <a:endParaRPr lang="pt-BR"/>
+          </a:p>
+        </p:txBody>
+      </p:sp>
+      <p:sp>
+        <p:nvSpPr>
+          <p:cNvPr id="9" name="Rectangle 8"/>
+          <p:cNvSpPr/>
+          <p:nvPr/>
+        </p:nvSpPr>
+        <p:spPr>
+          <a:xfrm>
+            <a:off x="1430604" y="5633812"/>
+            <a:ext cx="914400" cy="914400"/>
+          </a:xfrm>
+          <a:prstGeom prst="rect">
+            <a:avLst/>
+          </a:prstGeom>
+          <a:solidFill>
+            <a:srgbClr val="018F95"/>
+          </a:solidFill>
+          <a:ln>
+            <a:solidFill>
+              <a:srgbClr val="018F95"/>
+            </a:solidFill>
+          </a:ln>
+        </p:spPr>
+        <p:style>
+          <a:lnRef idx="2">
+            <a:schemeClr val="accent1">
+              <a:shade val="50000"/>
+            </a:schemeClr>
+          </a:lnRef>
+          <a:fillRef idx="1">
+            <a:schemeClr val="accent1"/>
+          </a:fillRef>
+          <a:effectRef idx="0">
+            <a:schemeClr val="accent1"/>
+          </a:effectRef>
+          <a:fontRef idx="minor">
+            <a:schemeClr val="lt1"/>
+          </a:fontRef>
+        </p:style>
+        <p:txBody>
+          <a:bodyPr rtlCol="0" anchor="ctr"/>
+          <a:lstStyle/>
+          <a:p>
+            <a:pPr algn="ctr"/>
+            <a:endParaRPr lang="pt-BR"/>
+          </a:p>
+        </p:txBody>
+      </p:sp>
       <p:sp>
         <p:nvSpPr>
           <p:cNvPr id="12" name="Rounded Rectangle 11"/>
@@ -23050,7 +24351,7 @@
           <a:p>
             <a:fld id="{91C29FB6-5622-41FA-A98F-6A534139880B}" type="slidenum">
               <a:rPr lang="pt-BR" smtClean="0"/>
-              <a:t>29</a:t>
+              <a:t>31</a:t>
             </a:fld>
             <a:endParaRPr lang="pt-BR"/>
           </a:p>
@@ -23209,7 +24510,7 @@
 </p:sld>
 </file>
 
-<file path=ppt/slides/slide3.xml><?xml version="1.0" encoding="utf-8"?>
+<file path=ppt/slides/slide32.xml><?xml version="1.0" encoding="utf-8"?>
 <p:sld xmlns:a="http://schemas.openxmlformats.org/drawingml/2006/main" xmlns:r="http://schemas.openxmlformats.org/officeDocument/2006/relationships" xmlns:p="http://schemas.openxmlformats.org/presentationml/2006/main">
   <p:cSld>
     <p:spTree>
@@ -23400,354 +24701,6 @@
           </a:p>
         </p:txBody>
       </p:sp>
-      <p:sp>
-        <p:nvSpPr>
-          <p:cNvPr id="11" name="TextBox 10"/>
-          <p:cNvSpPr txBox="1"/>
-          <p:nvPr/>
-        </p:nvSpPr>
-        <p:spPr>
-          <a:xfrm>
-            <a:off x="6504803" y="4276843"/>
-            <a:ext cx="2275495" cy="2308324"/>
-          </a:xfrm>
-          <a:prstGeom prst="rect">
-            <a:avLst/>
-          </a:prstGeom>
-          <a:noFill/>
-        </p:spPr>
-        <p:txBody>
-          <a:bodyPr wrap="none" rtlCol="0">
-            <a:spAutoFit/>
-          </a:bodyPr>
-          <a:lstStyle/>
-          <a:p>
-            <a:r>
-              <a:rPr lang="pt-BR" sz="2400" dirty="0" smtClean="0"/>
-              <a:t>MDS</a:t>
-            </a:r>
-          </a:p>
-          <a:p>
-            <a:endParaRPr lang="pt-BR" sz="2400" dirty="0"/>
-          </a:p>
-          <a:p>
-            <a:r>
-              <a:rPr lang="pt-BR" sz="2400" dirty="0" smtClean="0"/>
-              <a:t>Filipe Borges</a:t>
-            </a:r>
-          </a:p>
-          <a:p>
-            <a:r>
-              <a:rPr lang="pt-BR" sz="2400" dirty="0" smtClean="0"/>
-              <a:t>Lucas Couto</a:t>
-            </a:r>
-          </a:p>
-          <a:p>
-            <a:r>
-              <a:rPr lang="pt-BR" sz="2400" dirty="0" smtClean="0"/>
-              <a:t>Ruyther Parente</a:t>
-            </a:r>
-          </a:p>
-          <a:p>
-            <a:r>
-              <a:rPr lang="pt-BR" sz="2400" dirty="0" smtClean="0"/>
-              <a:t>Vanessa Barbosa</a:t>
-            </a:r>
-          </a:p>
-        </p:txBody>
-      </p:sp>
-      <p:sp>
-        <p:nvSpPr>
-          <p:cNvPr id="2" name="Date Placeholder 1"/>
-          <p:cNvSpPr>
-            <a:spLocks noGrp="1"/>
-          </p:cNvSpPr>
-          <p:nvPr>
-            <p:ph type="dt" sz="half" idx="10"/>
-          </p:nvPr>
-        </p:nvSpPr>
-        <p:spPr/>
-        <p:txBody>
-          <a:bodyPr/>
-          <a:lstStyle/>
-          <a:p>
-            <a:fld id="{23BDB24A-167F-40E8-9494-F0C97DD553F0}" type="datetime1">
-              <a:rPr lang="pt-BR" smtClean="0"/>
-              <a:t>28/02/2013</a:t>
-            </a:fld>
-            <a:endParaRPr lang="pt-BR"/>
-          </a:p>
-        </p:txBody>
-      </p:sp>
-      <p:sp>
-        <p:nvSpPr>
-          <p:cNvPr id="3" name="Footer Placeholder 2"/>
-          <p:cNvSpPr>
-            <a:spLocks noGrp="1"/>
-          </p:cNvSpPr>
-          <p:nvPr>
-            <p:ph type="ftr" sz="quarter" idx="11"/>
-          </p:nvPr>
-        </p:nvSpPr>
-        <p:spPr/>
-        <p:txBody>
-          <a:bodyPr/>
-          <a:lstStyle/>
-          <a:p>
-            <a:r>
-              <a:rPr lang="pt-BR" smtClean="0"/>
-              <a:t>Universidade de Brasília</a:t>
-            </a:r>
-            <a:endParaRPr lang="pt-BR"/>
-          </a:p>
-        </p:txBody>
-      </p:sp>
-      <p:sp>
-        <p:nvSpPr>
-          <p:cNvPr id="4" name="Slide Number Placeholder 3"/>
-          <p:cNvSpPr>
-            <a:spLocks noGrp="1"/>
-          </p:cNvSpPr>
-          <p:nvPr>
-            <p:ph type="sldNum" sz="quarter" idx="12"/>
-          </p:nvPr>
-        </p:nvSpPr>
-        <p:spPr/>
-        <p:txBody>
-          <a:bodyPr/>
-          <a:lstStyle/>
-          <a:p>
-            <a:fld id="{91C29FB6-5622-41FA-A98F-6A534139880B}" type="slidenum">
-              <a:rPr lang="pt-BR" smtClean="0"/>
-              <a:t>3</a:t>
-            </a:fld>
-            <a:endParaRPr lang="pt-BR"/>
-          </a:p>
-        </p:txBody>
-      </p:sp>
-    </p:spTree>
-    <p:extLst>
-      <p:ext uri="{BB962C8B-B14F-4D97-AF65-F5344CB8AC3E}">
-        <p14:creationId xmlns:p14="http://schemas.microsoft.com/office/powerpoint/2010/main" val="3164711871"/>
-      </p:ext>
-    </p:extLst>
-  </p:cSld>
-  <p:clrMapOvr>
-    <a:masterClrMapping/>
-  </p:clrMapOvr>
-  <mc:AlternateContent xmlns:mc="http://schemas.openxmlformats.org/markup-compatibility/2006" xmlns:p14="http://schemas.microsoft.com/office/powerpoint/2010/main">
-    <mc:Choice Requires="p14">
-      <p:transition spd="slow" p14:dur="1200">
-        <p:dissolve/>
-      </p:transition>
-    </mc:Choice>
-    <mc:Fallback xmlns="">
-      <p:transition spd="slow">
-        <p:dissolve/>
-      </p:transition>
-    </mc:Fallback>
-  </mc:AlternateContent>
-  <p:timing>
-    <p:tnLst>
-      <p:par>
-        <p:cTn id="1" dur="indefinite" restart="never" nodeType="tmRoot"/>
-      </p:par>
-    </p:tnLst>
-  </p:timing>
-</p:sld>
-</file>
-
-<file path=ppt/slides/slide30.xml><?xml version="1.0" encoding="utf-8"?>
-<p:sld xmlns:a="http://schemas.openxmlformats.org/drawingml/2006/main" xmlns:r="http://schemas.openxmlformats.org/officeDocument/2006/relationships" xmlns:p="http://schemas.openxmlformats.org/presentationml/2006/main">
-  <p:cSld>
-    <p:spTree>
-      <p:nvGrpSpPr>
-        <p:cNvPr id="1" name=""/>
-        <p:cNvGrpSpPr/>
-        <p:nvPr/>
-      </p:nvGrpSpPr>
-      <p:grpSpPr>
-        <a:xfrm>
-          <a:off x="0" y="0"/>
-          <a:ext cx="0" cy="0"/>
-          <a:chOff x="0" y="0"/>
-          <a:chExt cx="0" cy="0"/>
-        </a:xfrm>
-      </p:grpSpPr>
-      <p:pic>
-        <p:nvPicPr>
-          <p:cNvPr id="7" name="Picture 6"/>
-          <p:cNvPicPr>
-            <a:picLocks noChangeAspect="1"/>
-          </p:cNvPicPr>
-          <p:nvPr/>
-        </p:nvPicPr>
-        <p:blipFill>
-          <a:blip r:embed="rId2">
-            <a:extLst>
-              <a:ext uri="{28A0092B-C50C-407E-A947-70E740481C1C}">
-                <a14:useLocalDpi xmlns:a14="http://schemas.microsoft.com/office/drawing/2010/main" val="0"/>
-              </a:ext>
-            </a:extLst>
-          </a:blip>
-          <a:stretch>
-            <a:fillRect/>
-          </a:stretch>
-        </p:blipFill>
-        <p:spPr>
-          <a:xfrm>
-            <a:off x="179512" y="116632"/>
-            <a:ext cx="3564345" cy="1412776"/>
-          </a:xfrm>
-          <a:prstGeom prst="rect">
-            <a:avLst/>
-          </a:prstGeom>
-        </p:spPr>
-      </p:pic>
-      <p:sp>
-        <p:nvSpPr>
-          <p:cNvPr id="10" name="Rectangle 9"/>
-          <p:cNvSpPr/>
-          <p:nvPr/>
-        </p:nvSpPr>
-        <p:spPr>
-          <a:xfrm>
-            <a:off x="175923" y="4941168"/>
-            <a:ext cx="1011701" cy="914400"/>
-          </a:xfrm>
-          <a:prstGeom prst="rect">
-            <a:avLst/>
-          </a:prstGeom>
-          <a:solidFill>
-            <a:srgbClr val="018F95"/>
-          </a:solidFill>
-          <a:ln>
-            <a:solidFill>
-              <a:srgbClr val="018F95"/>
-            </a:solidFill>
-          </a:ln>
-        </p:spPr>
-        <p:style>
-          <a:lnRef idx="2">
-            <a:schemeClr val="accent1">
-              <a:shade val="50000"/>
-            </a:schemeClr>
-          </a:lnRef>
-          <a:fillRef idx="1">
-            <a:schemeClr val="accent1"/>
-          </a:fillRef>
-          <a:effectRef idx="0">
-            <a:schemeClr val="accent1"/>
-          </a:effectRef>
-          <a:fontRef idx="minor">
-            <a:schemeClr val="lt1"/>
-          </a:fontRef>
-        </p:style>
-        <p:txBody>
-          <a:bodyPr rtlCol="0" anchor="ctr"/>
-          <a:lstStyle/>
-          <a:p>
-            <a:pPr algn="ctr"/>
-            <a:endParaRPr lang="pt-BR"/>
-          </a:p>
-        </p:txBody>
-      </p:sp>
-      <p:sp>
-        <p:nvSpPr>
-          <p:cNvPr id="8" name="Rectangle 7"/>
-          <p:cNvSpPr/>
-          <p:nvPr/>
-        </p:nvSpPr>
-        <p:spPr>
-          <a:xfrm>
-            <a:off x="450023" y="5279504"/>
-            <a:ext cx="1332148" cy="1101824"/>
-          </a:xfrm>
-          <a:prstGeom prst="rect">
-            <a:avLst/>
-          </a:prstGeom>
-          <a:solidFill>
-            <a:srgbClr val="27B169"/>
-          </a:solidFill>
-          <a:ln>
-            <a:solidFill>
-              <a:srgbClr val="27B169"/>
-            </a:solidFill>
-          </a:ln>
-        </p:spPr>
-        <p:style>
-          <a:lnRef idx="2">
-            <a:schemeClr val="accent1">
-              <a:shade val="50000"/>
-            </a:schemeClr>
-          </a:lnRef>
-          <a:fillRef idx="1">
-            <a:schemeClr val="accent1"/>
-          </a:fillRef>
-          <a:effectRef idx="0">
-            <a:schemeClr val="accent1"/>
-          </a:effectRef>
-          <a:fontRef idx="minor">
-            <a:schemeClr val="lt1"/>
-          </a:fontRef>
-        </p:style>
-        <p:txBody>
-          <a:bodyPr rtlCol="0" anchor="ctr"/>
-          <a:lstStyle/>
-          <a:p>
-            <a:pPr algn="ctr"/>
-            <a:endParaRPr lang="pt-BR"/>
-          </a:p>
-        </p:txBody>
-      </p:sp>
-      <p:sp>
-        <p:nvSpPr>
-          <p:cNvPr id="9" name="Rectangle 8"/>
-          <p:cNvSpPr/>
-          <p:nvPr/>
-        </p:nvSpPr>
-        <p:spPr>
-          <a:xfrm>
-            <a:off x="1430604" y="5633812"/>
-            <a:ext cx="914400" cy="914400"/>
-          </a:xfrm>
-          <a:prstGeom prst="rect">
-            <a:avLst/>
-          </a:prstGeom>
-          <a:solidFill>
-            <a:srgbClr val="018F95"/>
-          </a:solidFill>
-          <a:ln>
-            <a:solidFill>
-              <a:srgbClr val="018F95"/>
-            </a:solidFill>
-          </a:ln>
-        </p:spPr>
-        <p:style>
-          <a:lnRef idx="2">
-            <a:schemeClr val="accent1">
-              <a:shade val="50000"/>
-            </a:schemeClr>
-          </a:lnRef>
-          <a:fillRef idx="1">
-            <a:schemeClr val="accent1"/>
-          </a:fillRef>
-          <a:effectRef idx="0">
-            <a:schemeClr val="accent1"/>
-          </a:effectRef>
-          <a:fontRef idx="minor">
-            <a:schemeClr val="lt1"/>
-          </a:fontRef>
-        </p:style>
-        <p:txBody>
-          <a:bodyPr rtlCol="0" anchor="ctr"/>
-          <a:lstStyle/>
-          <a:p>
-            <a:pPr algn="ctr"/>
-            <a:endParaRPr lang="pt-BR"/>
-          </a:p>
-        </p:txBody>
-      </p:sp>
       <p:graphicFrame>
         <p:nvGraphicFramePr>
           <p:cNvPr id="2" name="Diagram 1"/>
@@ -23884,7 +24837,7 @@
           <a:p>
             <a:fld id="{91C29FB6-5622-41FA-A98F-6A534139880B}" type="slidenum">
               <a:rPr lang="pt-BR" smtClean="0"/>
-              <a:t>30</a:t>
+              <a:t>32</a:t>
             </a:fld>
             <a:endParaRPr lang="pt-BR"/>
           </a:p>
@@ -23918,7 +24871,7 @@
 </p:sld>
 </file>
 
-<file path=ppt/slides/slide31.xml><?xml version="1.0" encoding="utf-8"?>
+<file path=ppt/slides/slide33.xml><?xml version="1.0" encoding="utf-8"?>
 <p:sld xmlns:a="http://schemas.openxmlformats.org/drawingml/2006/main" xmlns:r="http://schemas.openxmlformats.org/officeDocument/2006/relationships" xmlns:p="http://schemas.openxmlformats.org/presentationml/2006/main">
   <p:cSld>
     <p:spTree>
@@ -24172,7 +25125,7 @@
           <a:p>
             <a:fld id="{91C29FB6-5622-41FA-A98F-6A534139880B}" type="slidenum">
               <a:rPr lang="pt-BR" smtClean="0"/>
-              <a:t>31</a:t>
+              <a:t>33</a:t>
             </a:fld>
             <a:endParaRPr lang="pt-BR"/>
           </a:p>
@@ -24597,7 +25550,7 @@
 </p:sld>
 </file>
 
-<file path=ppt/slides/slide32.xml><?xml version="1.0" encoding="utf-8"?>
+<file path=ppt/slides/slide34.xml><?xml version="1.0" encoding="utf-8"?>
 <p:sld xmlns:a="http://schemas.openxmlformats.org/drawingml/2006/main" xmlns:r="http://schemas.openxmlformats.org/officeDocument/2006/relationships" xmlns:p="http://schemas.openxmlformats.org/presentationml/2006/main">
   <p:cSld>
     <p:spTree>
@@ -24910,7 +25863,7 @@
                   <a:schemeClr val="tx1"/>
                 </a:solidFill>
               </a:rPr>
-              <a:t>32</a:t>
+              <a:t>34</a:t>
             </a:fld>
             <a:endParaRPr lang="pt-BR" dirty="0">
               <a:solidFill>
@@ -25063,7 +26016,7 @@
 </p:sld>
 </file>
 
-<file path=ppt/slides/slide33.xml><?xml version="1.0" encoding="utf-8"?>
+<file path=ppt/slides/slide35.xml><?xml version="1.0" encoding="utf-8"?>
 <p:sld xmlns:a="http://schemas.openxmlformats.org/drawingml/2006/main" xmlns:r="http://schemas.openxmlformats.org/officeDocument/2006/relationships" xmlns:p="http://schemas.openxmlformats.org/presentationml/2006/main">
   <p:cSld>
     <p:spTree>
@@ -25356,7 +26309,7 @@
           <a:p>
             <a:fld id="{91C29FB6-5622-41FA-A98F-6A534139880B}" type="slidenum">
               <a:rPr lang="pt-BR" smtClean="0"/>
-              <a:t>33</a:t>
+              <a:t>35</a:t>
             </a:fld>
             <a:endParaRPr lang="pt-BR"/>
           </a:p>
@@ -26978,7 +27931,7 @@
         </p:nvSpPr>
         <p:spPr>
           <a:xfrm>
-            <a:off x="818208" y="1509688"/>
+            <a:off x="4139952" y="438299"/>
             <a:ext cx="7349694" cy="769441"/>
           </a:xfrm>
           <a:prstGeom prst="rect">
@@ -27087,9 +28040,9 @@
       </p:sp>
       <p:pic>
         <p:nvPicPr>
-          <p:cNvPr id="2050" name="Picture 2"/>
+          <p:cNvPr id="5" name="Imagem 4"/>
           <p:cNvPicPr>
-            <a:picLocks noChangeAspect="1" noChangeArrowheads="1"/>
+            <a:picLocks noChangeAspect="1"/>
           </p:cNvPicPr>
           <p:nvPr/>
         </p:nvPicPr>
@@ -27101,42 +28054,18 @@
               </a:ext>
             </a:extLst>
           </a:blip>
-          <a:srcRect/>
           <a:stretch>
             <a:fillRect/>
           </a:stretch>
         </p:blipFill>
-        <p:spPr bwMode="auto">
+        <p:spPr>
           <a:xfrm>
-            <a:off x="818208" y="2339057"/>
-            <a:ext cx="7426200" cy="3076575"/>
+            <a:off x="0" y="1556792"/>
+            <a:ext cx="9144000" cy="5258424"/>
           </a:xfrm>
           <a:prstGeom prst="rect">
             <a:avLst/>
           </a:prstGeom>
-          <a:noFill/>
-          <a:ln>
-            <a:noFill/>
-          </a:ln>
-          <a:extLst>
-            <a:ext uri="{909E8E84-426E-40DD-AFC4-6F175D3DCCD1}">
-              <a14:hiddenFill xmlns:a14="http://schemas.microsoft.com/office/drawing/2010/main">
-                <a:solidFill>
-                  <a:schemeClr val="accent1"/>
-                </a:solidFill>
-              </a14:hiddenFill>
-            </a:ext>
-            <a:ext uri="{91240B29-F687-4F45-9708-019B960494DF}">
-              <a14:hiddenLine xmlns:a14="http://schemas.microsoft.com/office/drawing/2010/main" w="9525">
-                <a:solidFill>
-                  <a:schemeClr val="tx1"/>
-                </a:solidFill>
-                <a:miter lim="800000"/>
-                <a:headEnd/>
-                <a:tailEnd/>
-              </a14:hiddenLine>
-            </a:ext>
-          </a:extLst>
         </p:spPr>
       </p:pic>
     </p:spTree>
@@ -27370,7 +28299,7 @@
         </p:nvSpPr>
         <p:spPr>
           <a:xfrm>
-            <a:off x="818208" y="1509688"/>
+            <a:off x="4139952" y="438299"/>
             <a:ext cx="7349694" cy="769441"/>
           </a:xfrm>
           <a:prstGeom prst="rect">
@@ -27479,9 +28408,9 @@
       </p:sp>
       <p:pic>
         <p:nvPicPr>
-          <p:cNvPr id="3075" name="Picture 3"/>
+          <p:cNvPr id="5" name="Imagem 4"/>
           <p:cNvPicPr>
-            <a:picLocks noChangeAspect="1" noChangeArrowheads="1"/>
+            <a:picLocks noChangeAspect="1"/>
           </p:cNvPicPr>
           <p:nvPr/>
         </p:nvPicPr>
@@ -27493,42 +28422,18 @@
               </a:ext>
             </a:extLst>
           </a:blip>
-          <a:srcRect/>
           <a:stretch>
             <a:fillRect/>
           </a:stretch>
         </p:blipFill>
-        <p:spPr bwMode="auto">
+        <p:spPr>
           <a:xfrm>
-            <a:off x="759255" y="2313161"/>
-            <a:ext cx="7467600" cy="3152775"/>
+            <a:off x="0" y="1583474"/>
+            <a:ext cx="9144000" cy="5229902"/>
           </a:xfrm>
           <a:prstGeom prst="rect">
             <a:avLst/>
           </a:prstGeom>
-          <a:noFill/>
-          <a:ln>
-            <a:noFill/>
-          </a:ln>
-          <a:extLst>
-            <a:ext uri="{909E8E84-426E-40DD-AFC4-6F175D3DCCD1}">
-              <a14:hiddenFill xmlns:a14="http://schemas.microsoft.com/office/drawing/2010/main">
-                <a:solidFill>
-                  <a:schemeClr val="accent1"/>
-                </a:solidFill>
-              </a14:hiddenFill>
-            </a:ext>
-            <a:ext uri="{91240B29-F687-4F45-9708-019B960494DF}">
-              <a14:hiddenLine xmlns:a14="http://schemas.microsoft.com/office/drawing/2010/main" w="9525">
-                <a:solidFill>
-                  <a:schemeClr val="tx1"/>
-                </a:solidFill>
-                <a:miter lim="800000"/>
-                <a:headEnd/>
-                <a:tailEnd/>
-              </a14:hiddenLine>
-            </a:ext>
-          </a:extLst>
         </p:spPr>
       </p:pic>
     </p:spTree>
@@ -27762,7 +28667,7 @@
         </p:nvSpPr>
         <p:spPr>
           <a:xfrm>
-            <a:off x="818208" y="1509688"/>
+            <a:off x="4139952" y="438299"/>
             <a:ext cx="7349694" cy="769441"/>
           </a:xfrm>
           <a:prstGeom prst="rect">
@@ -27871,9 +28776,9 @@
       </p:sp>
       <p:pic>
         <p:nvPicPr>
-          <p:cNvPr id="4098" name="Picture 2"/>
+          <p:cNvPr id="5" name="Imagem 4"/>
           <p:cNvPicPr>
-            <a:picLocks noChangeAspect="1" noChangeArrowheads="1"/>
+            <a:picLocks noChangeAspect="1"/>
           </p:cNvPicPr>
           <p:nvPr/>
         </p:nvPicPr>
@@ -27885,42 +28790,18 @@
               </a:ext>
             </a:extLst>
           </a:blip>
-          <a:srcRect/>
           <a:stretch>
             <a:fillRect/>
           </a:stretch>
         </p:blipFill>
-        <p:spPr bwMode="auto">
+        <p:spPr>
           <a:xfrm>
-            <a:off x="1016430" y="2312913"/>
-            <a:ext cx="6953250" cy="2876550"/>
+            <a:off x="0" y="1625693"/>
+            <a:ext cx="9144000" cy="5232307"/>
           </a:xfrm>
           <a:prstGeom prst="rect">
             <a:avLst/>
           </a:prstGeom>
-          <a:noFill/>
-          <a:ln>
-            <a:noFill/>
-          </a:ln>
-          <a:extLst>
-            <a:ext uri="{909E8E84-426E-40DD-AFC4-6F175D3DCCD1}">
-              <a14:hiddenFill xmlns:a14="http://schemas.microsoft.com/office/drawing/2010/main">
-                <a:solidFill>
-                  <a:schemeClr val="accent1"/>
-                </a:solidFill>
-              </a14:hiddenFill>
-            </a:ext>
-            <a:ext uri="{91240B29-F687-4F45-9708-019B960494DF}">
-              <a14:hiddenLine xmlns:a14="http://schemas.microsoft.com/office/drawing/2010/main" w="9525">
-                <a:solidFill>
-                  <a:schemeClr val="tx1"/>
-                </a:solidFill>
-                <a:miter lim="800000"/>
-                <a:headEnd/>
-                <a:tailEnd/>
-              </a14:hiddenLine>
-            </a:ext>
-          </a:extLst>
         </p:spPr>
       </p:pic>
     </p:spTree>
